--- a/docs/Presentation.pptx
+++ b/docs/Presentation.pptx
@@ -4,6 +4,9 @@
   <p:sldMasterIdLst>
     <p:sldMasterId id="2147483648" r:id="rId1"/>
   </p:sldMasterIdLst>
+  <p:notesMasterIdLst>
+    <p:notesMasterId r:id="rId8"/>
+  </p:notesMasterIdLst>
   <p:sldIdLst>
     <p:sldId id="256" r:id="rId2"/>
     <p:sldId id="257" r:id="rId3"/>
@@ -18,8 +21,393 @@
     <a:defPPr>
       <a:defRPr lang="en-US"/>
     </a:defPPr>
+    <a:lvl1pPr algn="l" rtl="0" fontAlgn="base">
+      <a:spcBef>
+        <a:spcPct val="0"/>
+      </a:spcBef>
+      <a:spcAft>
+        <a:spcPct val="0"/>
+      </a:spcAft>
+      <a:defRPr kern="1200">
+        <a:solidFill>
+          <a:schemeClr val="tx1"/>
+        </a:solidFill>
+        <a:latin typeface="Arial" panose="020B0604020202020204" pitchFamily="34" charset="0"/>
+        <a:ea typeface="+mn-ea"/>
+        <a:cs typeface="Arial" panose="020B0604020202020204" pitchFamily="34" charset="0"/>
+      </a:defRPr>
+    </a:lvl1pPr>
+    <a:lvl2pPr marL="457200" algn="l" rtl="0" fontAlgn="base">
+      <a:spcBef>
+        <a:spcPct val="0"/>
+      </a:spcBef>
+      <a:spcAft>
+        <a:spcPct val="0"/>
+      </a:spcAft>
+      <a:defRPr kern="1200">
+        <a:solidFill>
+          <a:schemeClr val="tx1"/>
+        </a:solidFill>
+        <a:latin typeface="Arial" panose="020B0604020202020204" pitchFamily="34" charset="0"/>
+        <a:ea typeface="+mn-ea"/>
+        <a:cs typeface="Arial" panose="020B0604020202020204" pitchFamily="34" charset="0"/>
+      </a:defRPr>
+    </a:lvl2pPr>
+    <a:lvl3pPr marL="914400" algn="l" rtl="0" fontAlgn="base">
+      <a:spcBef>
+        <a:spcPct val="0"/>
+      </a:spcBef>
+      <a:spcAft>
+        <a:spcPct val="0"/>
+      </a:spcAft>
+      <a:defRPr kern="1200">
+        <a:solidFill>
+          <a:schemeClr val="tx1"/>
+        </a:solidFill>
+        <a:latin typeface="Arial" panose="020B0604020202020204" pitchFamily="34" charset="0"/>
+        <a:ea typeface="+mn-ea"/>
+        <a:cs typeface="Arial" panose="020B0604020202020204" pitchFamily="34" charset="0"/>
+      </a:defRPr>
+    </a:lvl3pPr>
+    <a:lvl4pPr marL="1371600" algn="l" rtl="0" fontAlgn="base">
+      <a:spcBef>
+        <a:spcPct val="0"/>
+      </a:spcBef>
+      <a:spcAft>
+        <a:spcPct val="0"/>
+      </a:spcAft>
+      <a:defRPr kern="1200">
+        <a:solidFill>
+          <a:schemeClr val="tx1"/>
+        </a:solidFill>
+        <a:latin typeface="Arial" panose="020B0604020202020204" pitchFamily="34" charset="0"/>
+        <a:ea typeface="+mn-ea"/>
+        <a:cs typeface="Arial" panose="020B0604020202020204" pitchFamily="34" charset="0"/>
+      </a:defRPr>
+    </a:lvl4pPr>
+    <a:lvl5pPr marL="1828800" algn="l" rtl="0" fontAlgn="base">
+      <a:spcBef>
+        <a:spcPct val="0"/>
+      </a:spcBef>
+      <a:spcAft>
+        <a:spcPct val="0"/>
+      </a:spcAft>
+      <a:defRPr kern="1200">
+        <a:solidFill>
+          <a:schemeClr val="tx1"/>
+        </a:solidFill>
+        <a:latin typeface="Arial" panose="020B0604020202020204" pitchFamily="34" charset="0"/>
+        <a:ea typeface="+mn-ea"/>
+        <a:cs typeface="Arial" panose="020B0604020202020204" pitchFamily="34" charset="0"/>
+      </a:defRPr>
+    </a:lvl5pPr>
+    <a:lvl6pPr marL="2286000" algn="l" defTabSz="914400" rtl="0" eaLnBrk="1" latinLnBrk="0" hangingPunct="1">
+      <a:defRPr kern="1200">
+        <a:solidFill>
+          <a:schemeClr val="tx1"/>
+        </a:solidFill>
+        <a:latin typeface="Arial" panose="020B0604020202020204" pitchFamily="34" charset="0"/>
+        <a:ea typeface="+mn-ea"/>
+        <a:cs typeface="Arial" panose="020B0604020202020204" pitchFamily="34" charset="0"/>
+      </a:defRPr>
+    </a:lvl6pPr>
+    <a:lvl7pPr marL="2743200" algn="l" defTabSz="914400" rtl="0" eaLnBrk="1" latinLnBrk="0" hangingPunct="1">
+      <a:defRPr kern="1200">
+        <a:solidFill>
+          <a:schemeClr val="tx1"/>
+        </a:solidFill>
+        <a:latin typeface="Arial" panose="020B0604020202020204" pitchFamily="34" charset="0"/>
+        <a:ea typeface="+mn-ea"/>
+        <a:cs typeface="Arial" panose="020B0604020202020204" pitchFamily="34" charset="0"/>
+      </a:defRPr>
+    </a:lvl7pPr>
+    <a:lvl8pPr marL="3200400" algn="l" defTabSz="914400" rtl="0" eaLnBrk="1" latinLnBrk="0" hangingPunct="1">
+      <a:defRPr kern="1200">
+        <a:solidFill>
+          <a:schemeClr val="tx1"/>
+        </a:solidFill>
+        <a:latin typeface="Arial" panose="020B0604020202020204" pitchFamily="34" charset="0"/>
+        <a:ea typeface="+mn-ea"/>
+        <a:cs typeface="Arial" panose="020B0604020202020204" pitchFamily="34" charset="0"/>
+      </a:defRPr>
+    </a:lvl8pPr>
+    <a:lvl9pPr marL="3657600" algn="l" defTabSz="914400" rtl="0" eaLnBrk="1" latinLnBrk="0" hangingPunct="1">
+      <a:defRPr kern="1200">
+        <a:solidFill>
+          <a:schemeClr val="tx1"/>
+        </a:solidFill>
+        <a:latin typeface="Arial" panose="020B0604020202020204" pitchFamily="34" charset="0"/>
+        <a:ea typeface="+mn-ea"/>
+        <a:cs typeface="Arial" panose="020B0604020202020204" pitchFamily="34" charset="0"/>
+      </a:defRPr>
+    </a:lvl9pPr>
+  </p:defaultTextStyle>
+  <p:extLst>
+    <p:ext uri="{EFAFB233-063F-42B5-8137-9DF3F51BA10A}">
+      <p15:sldGuideLst xmlns:p15="http://schemas.microsoft.com/office/powerpoint/2012/main"/>
+    </p:ext>
+  </p:extLst>
+</p:presentation>
+</file>
+
+<file path=ppt/notesMasters/notesMaster1.xml><?xml version="1.0" encoding="utf-8"?>
+<p:notesMaster xmlns:a="http://schemas.openxmlformats.org/drawingml/2006/main" xmlns:r="http://schemas.openxmlformats.org/officeDocument/2006/relationships" xmlns:p="http://schemas.openxmlformats.org/presentationml/2006/main">
+  <p:cSld>
+    <p:bg>
+      <p:bgRef idx="1001">
+        <a:schemeClr val="bg1"/>
+      </p:bgRef>
+    </p:bg>
+    <p:spTree>
+      <p:nvGrpSpPr>
+        <p:cNvPr id="1" name=""/>
+        <p:cNvGrpSpPr/>
+        <p:nvPr/>
+      </p:nvGrpSpPr>
+      <p:grpSpPr>
+        <a:xfrm>
+          <a:off x="0" y="0"/>
+          <a:ext cx="0" cy="0"/>
+          <a:chOff x="0" y="0"/>
+          <a:chExt cx="0" cy="0"/>
+        </a:xfrm>
+      </p:grpSpPr>
+      <p:sp>
+        <p:nvSpPr>
+          <p:cNvPr id="2" name="Header Placeholder 1"/>
+          <p:cNvSpPr>
+            <a:spLocks noGrp="1"/>
+          </p:cNvSpPr>
+          <p:nvPr>
+            <p:ph type="hdr" sz="quarter"/>
+          </p:nvPr>
+        </p:nvSpPr>
+        <p:spPr>
+          <a:xfrm>
+            <a:off x="0" y="0"/>
+            <a:ext cx="2971800" cy="458788"/>
+          </a:xfrm>
+          <a:prstGeom prst="rect">
+            <a:avLst/>
+          </a:prstGeom>
+        </p:spPr>
+        <p:txBody>
+          <a:bodyPr vert="horz" lIns="91440" tIns="45720" rIns="91440" bIns="45720" rtlCol="0"/>
+          <a:lstStyle>
+            <a:lvl1pPr algn="l">
+              <a:defRPr sz="1200"/>
+            </a:lvl1pPr>
+          </a:lstStyle>
+          <a:p>
+            <a:endParaRPr lang="en-US"/>
+          </a:p>
+        </p:txBody>
+      </p:sp>
+      <p:sp>
+        <p:nvSpPr>
+          <p:cNvPr id="3" name="Date Placeholder 2"/>
+          <p:cNvSpPr>
+            <a:spLocks noGrp="1"/>
+          </p:cNvSpPr>
+          <p:nvPr>
+            <p:ph type="dt" idx="1"/>
+          </p:nvPr>
+        </p:nvSpPr>
+        <p:spPr>
+          <a:xfrm>
+            <a:off x="3884613" y="0"/>
+            <a:ext cx="2971800" cy="458788"/>
+          </a:xfrm>
+          <a:prstGeom prst="rect">
+            <a:avLst/>
+          </a:prstGeom>
+        </p:spPr>
+        <p:txBody>
+          <a:bodyPr vert="horz" lIns="91440" tIns="45720" rIns="91440" bIns="45720" rtlCol="0"/>
+          <a:lstStyle>
+            <a:lvl1pPr algn="r">
+              <a:defRPr sz="1200"/>
+            </a:lvl1pPr>
+          </a:lstStyle>
+          <a:p>
+            <a:fld id="{82CAD2DE-6879-8E49-8DBA-44A5FDDC6440}" type="datetimeFigureOut">
+              <a:rPr lang="en-US" smtClean="0"/>
+              <a:t>12/3/17</a:t>
+            </a:fld>
+            <a:endParaRPr lang="en-US"/>
+          </a:p>
+        </p:txBody>
+      </p:sp>
+      <p:sp>
+        <p:nvSpPr>
+          <p:cNvPr id="4" name="Slide Image Placeholder 3"/>
+          <p:cNvSpPr>
+            <a:spLocks noGrp="1" noRot="1" noChangeAspect="1"/>
+          </p:cNvSpPr>
+          <p:nvPr>
+            <p:ph type="sldImg" idx="2"/>
+          </p:nvPr>
+        </p:nvSpPr>
+        <p:spPr>
+          <a:xfrm>
+            <a:off x="685800" y="1143000"/>
+            <a:ext cx="5486400" cy="3086100"/>
+          </a:xfrm>
+          <a:prstGeom prst="rect">
+            <a:avLst/>
+          </a:prstGeom>
+          <a:noFill/>
+          <a:ln w="12700">
+            <a:solidFill>
+              <a:prstClr val="black"/>
+            </a:solidFill>
+          </a:ln>
+        </p:spPr>
+        <p:txBody>
+          <a:bodyPr vert="horz" lIns="91440" tIns="45720" rIns="91440" bIns="45720" rtlCol="0" anchor="ctr"/>
+          <a:lstStyle/>
+          <a:p>
+            <a:endParaRPr lang="en-US"/>
+          </a:p>
+        </p:txBody>
+      </p:sp>
+      <p:sp>
+        <p:nvSpPr>
+          <p:cNvPr id="5" name="Notes Placeholder 4"/>
+          <p:cNvSpPr>
+            <a:spLocks noGrp="1"/>
+          </p:cNvSpPr>
+          <p:nvPr>
+            <p:ph type="body" sz="quarter" idx="3"/>
+          </p:nvPr>
+        </p:nvSpPr>
+        <p:spPr>
+          <a:xfrm>
+            <a:off x="685800" y="4400550"/>
+            <a:ext cx="5486400" cy="3600450"/>
+          </a:xfrm>
+          <a:prstGeom prst="rect">
+            <a:avLst/>
+          </a:prstGeom>
+        </p:spPr>
+        <p:txBody>
+          <a:bodyPr vert="horz" lIns="91440" tIns="45720" rIns="91440" bIns="45720" rtlCol="0"/>
+          <a:lstStyle/>
+          <a:p>
+            <a:pPr lvl="0"/>
+            <a:r>
+              <a:rPr lang="en-US" smtClean="0"/>
+              <a:t>Click to edit Master text styles</a:t>
+            </a:r>
+          </a:p>
+          <a:p>
+            <a:pPr lvl="1"/>
+            <a:r>
+              <a:rPr lang="en-US" smtClean="0"/>
+              <a:t>Second level</a:t>
+            </a:r>
+          </a:p>
+          <a:p>
+            <a:pPr lvl="2"/>
+            <a:r>
+              <a:rPr lang="en-US" smtClean="0"/>
+              <a:t>Third level</a:t>
+            </a:r>
+          </a:p>
+          <a:p>
+            <a:pPr lvl="3"/>
+            <a:r>
+              <a:rPr lang="en-US" smtClean="0"/>
+              <a:t>Fourth level</a:t>
+            </a:r>
+          </a:p>
+          <a:p>
+            <a:pPr lvl="4"/>
+            <a:r>
+              <a:rPr lang="en-US" smtClean="0"/>
+              <a:t>Fifth level</a:t>
+            </a:r>
+            <a:endParaRPr lang="en-US"/>
+          </a:p>
+        </p:txBody>
+      </p:sp>
+      <p:sp>
+        <p:nvSpPr>
+          <p:cNvPr id="6" name="Footer Placeholder 5"/>
+          <p:cNvSpPr>
+            <a:spLocks noGrp="1"/>
+          </p:cNvSpPr>
+          <p:nvPr>
+            <p:ph type="ftr" sz="quarter" idx="4"/>
+          </p:nvPr>
+        </p:nvSpPr>
+        <p:spPr>
+          <a:xfrm>
+            <a:off x="0" y="8685213"/>
+            <a:ext cx="2971800" cy="458787"/>
+          </a:xfrm>
+          <a:prstGeom prst="rect">
+            <a:avLst/>
+          </a:prstGeom>
+        </p:spPr>
+        <p:txBody>
+          <a:bodyPr vert="horz" lIns="91440" tIns="45720" rIns="91440" bIns="45720" rtlCol="0" anchor="b"/>
+          <a:lstStyle>
+            <a:lvl1pPr algn="l">
+              <a:defRPr sz="1200"/>
+            </a:lvl1pPr>
+          </a:lstStyle>
+          <a:p>
+            <a:endParaRPr lang="en-US"/>
+          </a:p>
+        </p:txBody>
+      </p:sp>
+      <p:sp>
+        <p:nvSpPr>
+          <p:cNvPr id="7" name="Slide Number Placeholder 6"/>
+          <p:cNvSpPr>
+            <a:spLocks noGrp="1"/>
+          </p:cNvSpPr>
+          <p:nvPr>
+            <p:ph type="sldNum" sz="quarter" idx="5"/>
+          </p:nvPr>
+        </p:nvSpPr>
+        <p:spPr>
+          <a:xfrm>
+            <a:off x="3884613" y="8685213"/>
+            <a:ext cx="2971800" cy="458787"/>
+          </a:xfrm>
+          <a:prstGeom prst="rect">
+            <a:avLst/>
+          </a:prstGeom>
+        </p:spPr>
+        <p:txBody>
+          <a:bodyPr vert="horz" lIns="91440" tIns="45720" rIns="91440" bIns="45720" rtlCol="0" anchor="b"/>
+          <a:lstStyle>
+            <a:lvl1pPr algn="r">
+              <a:defRPr sz="1200"/>
+            </a:lvl1pPr>
+          </a:lstStyle>
+          <a:p>
+            <a:fld id="{C0C6581E-7663-9241-9DB2-84B5A3ACDACE}" type="slidenum">
+              <a:rPr lang="en-US" smtClean="0"/>
+              <a:t>‹#›</a:t>
+            </a:fld>
+            <a:endParaRPr lang="en-US"/>
+          </a:p>
+        </p:txBody>
+      </p:sp>
+    </p:spTree>
+    <p:extLst>
+      <p:ext uri="{BB962C8B-B14F-4D97-AF65-F5344CB8AC3E}">
+        <p14:creationId xmlns:p14="http://schemas.microsoft.com/office/powerpoint/2010/main" val="302871392"/>
+      </p:ext>
+    </p:extLst>
+  </p:cSld>
+  <p:clrMap bg1="lt1" tx1="dk1" bg2="lt2" tx2="dk2" accent1="accent1" accent2="accent2" accent3="accent3" accent4="accent4" accent5="accent5" accent6="accent6" hlink="hlink" folHlink="folHlink"/>
+  <p:notesStyle>
     <a:lvl1pPr marL="0" algn="l" defTabSz="914400" rtl="0" eaLnBrk="1" latinLnBrk="0" hangingPunct="1">
-      <a:defRPr sz="1800" kern="1200">
+      <a:defRPr sz="1200" kern="1200">
         <a:solidFill>
           <a:schemeClr val="tx1"/>
         </a:solidFill>
@@ -29,7 +417,7 @@
       </a:defRPr>
     </a:lvl1pPr>
     <a:lvl2pPr marL="457200" algn="l" defTabSz="914400" rtl="0" eaLnBrk="1" latinLnBrk="0" hangingPunct="1">
-      <a:defRPr sz="1800" kern="1200">
+      <a:defRPr sz="1200" kern="1200">
         <a:solidFill>
           <a:schemeClr val="tx1"/>
         </a:solidFill>
@@ -39,7 +427,7 @@
       </a:defRPr>
     </a:lvl2pPr>
     <a:lvl3pPr marL="914400" algn="l" defTabSz="914400" rtl="0" eaLnBrk="1" latinLnBrk="0" hangingPunct="1">
-      <a:defRPr sz="1800" kern="1200">
+      <a:defRPr sz="1200" kern="1200">
         <a:solidFill>
           <a:schemeClr val="tx1"/>
         </a:solidFill>
@@ -49,7 +437,7 @@
       </a:defRPr>
     </a:lvl3pPr>
     <a:lvl4pPr marL="1371600" algn="l" defTabSz="914400" rtl="0" eaLnBrk="1" latinLnBrk="0" hangingPunct="1">
-      <a:defRPr sz="1800" kern="1200">
+      <a:defRPr sz="1200" kern="1200">
         <a:solidFill>
           <a:schemeClr val="tx1"/>
         </a:solidFill>
@@ -59,7 +447,7 @@
       </a:defRPr>
     </a:lvl4pPr>
     <a:lvl5pPr marL="1828800" algn="l" defTabSz="914400" rtl="0" eaLnBrk="1" latinLnBrk="0" hangingPunct="1">
-      <a:defRPr sz="1800" kern="1200">
+      <a:defRPr sz="1200" kern="1200">
         <a:solidFill>
           <a:schemeClr val="tx1"/>
         </a:solidFill>
@@ -69,7 +457,7 @@
       </a:defRPr>
     </a:lvl5pPr>
     <a:lvl6pPr marL="2286000" algn="l" defTabSz="914400" rtl="0" eaLnBrk="1" latinLnBrk="0" hangingPunct="1">
-      <a:defRPr sz="1800" kern="1200">
+      <a:defRPr sz="1200" kern="1200">
         <a:solidFill>
           <a:schemeClr val="tx1"/>
         </a:solidFill>
@@ -79,7 +467,7 @@
       </a:defRPr>
     </a:lvl6pPr>
     <a:lvl7pPr marL="2743200" algn="l" defTabSz="914400" rtl="0" eaLnBrk="1" latinLnBrk="0" hangingPunct="1">
-      <a:defRPr sz="1800" kern="1200">
+      <a:defRPr sz="1200" kern="1200">
         <a:solidFill>
           <a:schemeClr val="tx1"/>
         </a:solidFill>
@@ -89,7 +477,7 @@
       </a:defRPr>
     </a:lvl7pPr>
     <a:lvl8pPr marL="3200400" algn="l" defTabSz="914400" rtl="0" eaLnBrk="1" latinLnBrk="0" hangingPunct="1">
-      <a:defRPr sz="1800" kern="1200">
+      <a:defRPr sz="1200" kern="1200">
         <a:solidFill>
           <a:schemeClr val="tx1"/>
         </a:solidFill>
@@ -99,7 +487,7 @@
       </a:defRPr>
     </a:lvl8pPr>
     <a:lvl9pPr marL="3657600" algn="l" defTabSz="914400" rtl="0" eaLnBrk="1" latinLnBrk="0" hangingPunct="1">
-      <a:defRPr sz="1800" kern="1200">
+      <a:defRPr sz="1200" kern="1200">
         <a:solidFill>
           <a:schemeClr val="tx1"/>
         </a:solidFill>
@@ -108,8 +496,504 @@
         <a:cs typeface="+mn-cs"/>
       </a:defRPr>
     </a:lvl9pPr>
-  </p:defaultTextStyle>
-</p:presentation>
+  </p:notesStyle>
+</p:notesMaster>
+</file>
+
+<file path=ppt/notesSlides/notesSlide1.xml><?xml version="1.0" encoding="utf-8"?>
+<p:notes xmlns:a="http://schemas.openxmlformats.org/drawingml/2006/main" xmlns:r="http://schemas.openxmlformats.org/officeDocument/2006/relationships" xmlns:p="http://schemas.openxmlformats.org/presentationml/2006/main">
+  <p:cSld>
+    <p:spTree>
+      <p:nvGrpSpPr>
+        <p:cNvPr id="1" name=""/>
+        <p:cNvGrpSpPr/>
+        <p:nvPr/>
+      </p:nvGrpSpPr>
+      <p:grpSpPr>
+        <a:xfrm>
+          <a:off x="0" y="0"/>
+          <a:ext cx="0" cy="0"/>
+          <a:chOff x="0" y="0"/>
+          <a:chExt cx="0" cy="0"/>
+        </a:xfrm>
+      </p:grpSpPr>
+      <p:sp>
+        <p:nvSpPr>
+          <p:cNvPr id="2" name="Slide Image Placeholder 1"/>
+          <p:cNvSpPr>
+            <a:spLocks noGrp="1" noRot="1" noChangeAspect="1"/>
+          </p:cNvSpPr>
+          <p:nvPr>
+            <p:ph type="sldImg"/>
+          </p:nvPr>
+        </p:nvSpPr>
+        <p:spPr/>
+      </p:sp>
+      <p:sp>
+        <p:nvSpPr>
+          <p:cNvPr id="3" name="Notes Placeholder 2"/>
+          <p:cNvSpPr>
+            <a:spLocks noGrp="1"/>
+          </p:cNvSpPr>
+          <p:nvPr>
+            <p:ph type="body" idx="1"/>
+          </p:nvPr>
+        </p:nvSpPr>
+        <p:spPr/>
+        <p:txBody>
+          <a:bodyPr/>
+          <a:lstStyle/>
+          <a:p>
+            <a:r>
+              <a:rPr lang="en-US" dirty="0" smtClean="0"/>
+              <a:t>We chose python because it is a fast,</a:t>
+            </a:r>
+            <a:r>
+              <a:rPr lang="en-US" baseline="0" dirty="0" smtClean="0"/>
+              <a:t> </a:t>
+            </a:r>
+            <a:r>
+              <a:rPr lang="en-US" baseline="0" dirty="0" err="1" smtClean="0"/>
+              <a:t>typeless</a:t>
+            </a:r>
+            <a:r>
+              <a:rPr lang="en-US" baseline="0" dirty="0" smtClean="0"/>
+              <a:t> language that can easily handle file input, math, output and other necessary features. Python was flexible enough to handle what we wanted to do with out language, and made it easy to implement a stack that could handle multiple types of objects. We chose a cooking theme as it is interesting, and something we all enjoy in our group.</a:t>
+            </a:r>
+            <a:endParaRPr lang="en-US" dirty="0"/>
+          </a:p>
+        </p:txBody>
+      </p:sp>
+      <p:sp>
+        <p:nvSpPr>
+          <p:cNvPr id="4" name="Slide Number Placeholder 3"/>
+          <p:cNvSpPr>
+            <a:spLocks noGrp="1"/>
+          </p:cNvSpPr>
+          <p:nvPr>
+            <p:ph type="sldNum" sz="quarter" idx="10"/>
+          </p:nvPr>
+        </p:nvSpPr>
+        <p:spPr/>
+        <p:txBody>
+          <a:bodyPr/>
+          <a:lstStyle/>
+          <a:p>
+            <a:fld id="{C0C6581E-7663-9241-9DB2-84B5A3ACDACE}" type="slidenum">
+              <a:rPr lang="en-US" smtClean="0"/>
+              <a:t>2</a:t>
+            </a:fld>
+            <a:endParaRPr lang="en-US"/>
+          </a:p>
+        </p:txBody>
+      </p:sp>
+    </p:spTree>
+    <p:extLst>
+      <p:ext uri="{BB962C8B-B14F-4D97-AF65-F5344CB8AC3E}">
+        <p14:creationId xmlns:p14="http://schemas.microsoft.com/office/powerpoint/2010/main" val="823241954"/>
+      </p:ext>
+    </p:extLst>
+  </p:cSld>
+  <p:clrMapOvr>
+    <a:masterClrMapping/>
+  </p:clrMapOvr>
+</p:notes>
+</file>
+
+<file path=ppt/notesSlides/notesSlide2.xml><?xml version="1.0" encoding="utf-8"?>
+<p:notes xmlns:a="http://schemas.openxmlformats.org/drawingml/2006/main" xmlns:r="http://schemas.openxmlformats.org/officeDocument/2006/relationships" xmlns:p="http://schemas.openxmlformats.org/presentationml/2006/main">
+  <p:cSld>
+    <p:spTree>
+      <p:nvGrpSpPr>
+        <p:cNvPr id="1" name=""/>
+        <p:cNvGrpSpPr/>
+        <p:nvPr/>
+      </p:nvGrpSpPr>
+      <p:grpSpPr>
+        <a:xfrm>
+          <a:off x="0" y="0"/>
+          <a:ext cx="0" cy="0"/>
+          <a:chOff x="0" y="0"/>
+          <a:chExt cx="0" cy="0"/>
+        </a:xfrm>
+      </p:grpSpPr>
+      <p:sp>
+        <p:nvSpPr>
+          <p:cNvPr id="2" name="Slide Image Placeholder 1"/>
+          <p:cNvSpPr>
+            <a:spLocks noGrp="1" noRot="1" noChangeAspect="1"/>
+          </p:cNvSpPr>
+          <p:nvPr>
+            <p:ph type="sldImg"/>
+          </p:nvPr>
+        </p:nvSpPr>
+        <p:spPr/>
+      </p:sp>
+      <p:sp>
+        <p:nvSpPr>
+          <p:cNvPr id="3" name="Notes Placeholder 2"/>
+          <p:cNvSpPr>
+            <a:spLocks noGrp="1"/>
+          </p:cNvSpPr>
+          <p:nvPr>
+            <p:ph type="body" idx="1"/>
+          </p:nvPr>
+        </p:nvSpPr>
+        <p:spPr/>
+        <p:txBody>
+          <a:bodyPr/>
+          <a:lstStyle/>
+          <a:p>
+            <a:r>
+              <a:rPr lang="en-US" dirty="0" err="1" smtClean="0"/>
+              <a:t>Cookpy</a:t>
+            </a:r>
+            <a:r>
+              <a:rPr lang="en-US" baseline="0" dirty="0" smtClean="0"/>
+              <a:t> has support for all the basic math functions (+,-,/,* as well as </a:t>
+            </a:r>
+            <a:r>
+              <a:rPr lang="en-US" baseline="0" dirty="0" err="1" smtClean="0"/>
+              <a:t>int</a:t>
+            </a:r>
+            <a:r>
+              <a:rPr lang="en-US" baseline="0" dirty="0" smtClean="0"/>
+              <a:t> division) Variables, and input output. Variables can be stored, and recalled on demand, and anything that fits in the stack </a:t>
+            </a:r>
+            <a:r>
+              <a:rPr lang="en-US" baseline="0" dirty="0" err="1" smtClean="0"/>
+              <a:t>canbe</a:t>
+            </a:r>
+            <a:r>
+              <a:rPr lang="en-US" baseline="0" dirty="0" smtClean="0"/>
+              <a:t> stored as a variable. We also support comments in the source code. </a:t>
+            </a:r>
+            <a:endParaRPr lang="en-US" dirty="0"/>
+          </a:p>
+        </p:txBody>
+      </p:sp>
+      <p:sp>
+        <p:nvSpPr>
+          <p:cNvPr id="4" name="Slide Number Placeholder 3"/>
+          <p:cNvSpPr>
+            <a:spLocks noGrp="1"/>
+          </p:cNvSpPr>
+          <p:nvPr>
+            <p:ph type="sldNum" sz="quarter" idx="10"/>
+          </p:nvPr>
+        </p:nvSpPr>
+        <p:spPr/>
+        <p:txBody>
+          <a:bodyPr/>
+          <a:lstStyle/>
+          <a:p>
+            <a:fld id="{C0C6581E-7663-9241-9DB2-84B5A3ACDACE}" type="slidenum">
+              <a:rPr lang="en-US" smtClean="0"/>
+              <a:t>3</a:t>
+            </a:fld>
+            <a:endParaRPr lang="en-US"/>
+          </a:p>
+        </p:txBody>
+      </p:sp>
+    </p:spTree>
+    <p:extLst>
+      <p:ext uri="{BB962C8B-B14F-4D97-AF65-F5344CB8AC3E}">
+        <p14:creationId xmlns:p14="http://schemas.microsoft.com/office/powerpoint/2010/main" val="308089010"/>
+      </p:ext>
+    </p:extLst>
+  </p:cSld>
+  <p:clrMapOvr>
+    <a:masterClrMapping/>
+  </p:clrMapOvr>
+</p:notes>
+</file>
+
+<file path=ppt/notesSlides/notesSlide3.xml><?xml version="1.0" encoding="utf-8"?>
+<p:notes xmlns:a="http://schemas.openxmlformats.org/drawingml/2006/main" xmlns:r="http://schemas.openxmlformats.org/officeDocument/2006/relationships" xmlns:p="http://schemas.openxmlformats.org/presentationml/2006/main">
+  <p:cSld>
+    <p:spTree>
+      <p:nvGrpSpPr>
+        <p:cNvPr id="1" name=""/>
+        <p:cNvGrpSpPr/>
+        <p:nvPr/>
+      </p:nvGrpSpPr>
+      <p:grpSpPr>
+        <a:xfrm>
+          <a:off x="0" y="0"/>
+          <a:ext cx="0" cy="0"/>
+          <a:chOff x="0" y="0"/>
+          <a:chExt cx="0" cy="0"/>
+        </a:xfrm>
+      </p:grpSpPr>
+      <p:sp>
+        <p:nvSpPr>
+          <p:cNvPr id="2" name="Slide Image Placeholder 1"/>
+          <p:cNvSpPr>
+            <a:spLocks noGrp="1" noRot="1" noChangeAspect="1"/>
+          </p:cNvSpPr>
+          <p:nvPr>
+            <p:ph type="sldImg"/>
+          </p:nvPr>
+        </p:nvSpPr>
+        <p:spPr/>
+      </p:sp>
+      <p:sp>
+        <p:nvSpPr>
+          <p:cNvPr id="3" name="Notes Placeholder 2"/>
+          <p:cNvSpPr>
+            <a:spLocks noGrp="1"/>
+          </p:cNvSpPr>
+          <p:nvPr>
+            <p:ph type="body" idx="1"/>
+          </p:nvPr>
+        </p:nvSpPr>
+        <p:spPr/>
+        <p:txBody>
+          <a:bodyPr/>
+          <a:lstStyle/>
+          <a:p>
+            <a:r>
+              <a:rPr lang="en-US" dirty="0" smtClean="0"/>
+              <a:t>We where unable to implement all the features we wanted due mostly to time constraints. We wanted to implement functions and flow control so that the code can run out of order. </a:t>
+            </a:r>
+            <a:r>
+              <a:rPr lang="en-US" dirty="0" err="1" smtClean="0"/>
+              <a:t>Cookpy</a:t>
+            </a:r>
+            <a:r>
+              <a:rPr lang="en-US" baseline="0" dirty="0" smtClean="0"/>
+              <a:t> also doesn’t support Strings or other objects than </a:t>
+            </a:r>
+            <a:r>
+              <a:rPr lang="en-US" baseline="0" dirty="0" err="1" smtClean="0"/>
+              <a:t>ints</a:t>
+            </a:r>
+            <a:r>
+              <a:rPr lang="en-US" baseline="0" dirty="0" smtClean="0"/>
+              <a:t> and floats. We also don’t have loops or a debugger built in.</a:t>
+            </a:r>
+            <a:endParaRPr lang="en-US" dirty="0"/>
+          </a:p>
+        </p:txBody>
+      </p:sp>
+      <p:sp>
+        <p:nvSpPr>
+          <p:cNvPr id="4" name="Slide Number Placeholder 3"/>
+          <p:cNvSpPr>
+            <a:spLocks noGrp="1"/>
+          </p:cNvSpPr>
+          <p:nvPr>
+            <p:ph type="sldNum" sz="quarter" idx="10"/>
+          </p:nvPr>
+        </p:nvSpPr>
+        <p:spPr/>
+        <p:txBody>
+          <a:bodyPr/>
+          <a:lstStyle/>
+          <a:p>
+            <a:fld id="{C0C6581E-7663-9241-9DB2-84B5A3ACDACE}" type="slidenum">
+              <a:rPr lang="en-US" smtClean="0"/>
+              <a:t>4</a:t>
+            </a:fld>
+            <a:endParaRPr lang="en-US"/>
+          </a:p>
+        </p:txBody>
+      </p:sp>
+    </p:spTree>
+    <p:extLst>
+      <p:ext uri="{BB962C8B-B14F-4D97-AF65-F5344CB8AC3E}">
+        <p14:creationId xmlns:p14="http://schemas.microsoft.com/office/powerpoint/2010/main" val="2049460613"/>
+      </p:ext>
+    </p:extLst>
+  </p:cSld>
+  <p:clrMapOvr>
+    <a:masterClrMapping/>
+  </p:clrMapOvr>
+</p:notes>
+</file>
+
+<file path=ppt/notesSlides/notesSlide4.xml><?xml version="1.0" encoding="utf-8"?>
+<p:notes xmlns:a="http://schemas.openxmlformats.org/drawingml/2006/main" xmlns:r="http://schemas.openxmlformats.org/officeDocument/2006/relationships" xmlns:p="http://schemas.openxmlformats.org/presentationml/2006/main">
+  <p:cSld>
+    <p:spTree>
+      <p:nvGrpSpPr>
+        <p:cNvPr id="1" name=""/>
+        <p:cNvGrpSpPr/>
+        <p:nvPr/>
+      </p:nvGrpSpPr>
+      <p:grpSpPr>
+        <a:xfrm>
+          <a:off x="0" y="0"/>
+          <a:ext cx="0" cy="0"/>
+          <a:chOff x="0" y="0"/>
+          <a:chExt cx="0" cy="0"/>
+        </a:xfrm>
+      </p:grpSpPr>
+      <p:sp>
+        <p:nvSpPr>
+          <p:cNvPr id="2" name="Slide Image Placeholder 1"/>
+          <p:cNvSpPr>
+            <a:spLocks noGrp="1" noRot="1" noChangeAspect="1"/>
+          </p:cNvSpPr>
+          <p:nvPr>
+            <p:ph type="sldImg"/>
+          </p:nvPr>
+        </p:nvSpPr>
+        <p:spPr/>
+      </p:sp>
+      <p:sp>
+        <p:nvSpPr>
+          <p:cNvPr id="3" name="Notes Placeholder 2"/>
+          <p:cNvSpPr>
+            <a:spLocks noGrp="1"/>
+          </p:cNvSpPr>
+          <p:nvPr>
+            <p:ph type="body" idx="1"/>
+          </p:nvPr>
+        </p:nvSpPr>
+        <p:spPr/>
+        <p:txBody>
+          <a:bodyPr/>
+          <a:lstStyle/>
+          <a:p>
+            <a:r>
+              <a:rPr lang="en-US" dirty="0" smtClean="0"/>
+              <a:t>Hopefully it</a:t>
+            </a:r>
+            <a:r>
+              <a:rPr lang="en-US" baseline="0" dirty="0" smtClean="0"/>
+              <a:t> works!</a:t>
+            </a:r>
+            <a:endParaRPr lang="en-US" dirty="0"/>
+          </a:p>
+        </p:txBody>
+      </p:sp>
+      <p:sp>
+        <p:nvSpPr>
+          <p:cNvPr id="4" name="Slide Number Placeholder 3"/>
+          <p:cNvSpPr>
+            <a:spLocks noGrp="1"/>
+          </p:cNvSpPr>
+          <p:nvPr>
+            <p:ph type="sldNum" sz="quarter" idx="10"/>
+          </p:nvPr>
+        </p:nvSpPr>
+        <p:spPr/>
+        <p:txBody>
+          <a:bodyPr/>
+          <a:lstStyle/>
+          <a:p>
+            <a:fld id="{C0C6581E-7663-9241-9DB2-84B5A3ACDACE}" type="slidenum">
+              <a:rPr lang="en-US" smtClean="0"/>
+              <a:t>5</a:t>
+            </a:fld>
+            <a:endParaRPr lang="en-US"/>
+          </a:p>
+        </p:txBody>
+      </p:sp>
+    </p:spTree>
+    <p:extLst>
+      <p:ext uri="{BB962C8B-B14F-4D97-AF65-F5344CB8AC3E}">
+        <p14:creationId xmlns:p14="http://schemas.microsoft.com/office/powerpoint/2010/main" val="1870933266"/>
+      </p:ext>
+    </p:extLst>
+  </p:cSld>
+  <p:clrMapOvr>
+    <a:masterClrMapping/>
+  </p:clrMapOvr>
+</p:notes>
+</file>
+
+<file path=ppt/notesSlides/notesSlide5.xml><?xml version="1.0" encoding="utf-8"?>
+<p:notes xmlns:a="http://schemas.openxmlformats.org/drawingml/2006/main" xmlns:r="http://schemas.openxmlformats.org/officeDocument/2006/relationships" xmlns:p="http://schemas.openxmlformats.org/presentationml/2006/main">
+  <p:cSld>
+    <p:spTree>
+      <p:nvGrpSpPr>
+        <p:cNvPr id="1" name=""/>
+        <p:cNvGrpSpPr/>
+        <p:nvPr/>
+      </p:nvGrpSpPr>
+      <p:grpSpPr>
+        <a:xfrm>
+          <a:off x="0" y="0"/>
+          <a:ext cx="0" cy="0"/>
+          <a:chOff x="0" y="0"/>
+          <a:chExt cx="0" cy="0"/>
+        </a:xfrm>
+      </p:grpSpPr>
+      <p:sp>
+        <p:nvSpPr>
+          <p:cNvPr id="2" name="Slide Image Placeholder 1"/>
+          <p:cNvSpPr>
+            <a:spLocks noGrp="1" noRot="1" noChangeAspect="1"/>
+          </p:cNvSpPr>
+          <p:nvPr>
+            <p:ph type="sldImg"/>
+          </p:nvPr>
+        </p:nvSpPr>
+        <p:spPr/>
+      </p:sp>
+      <p:sp>
+        <p:nvSpPr>
+          <p:cNvPr id="3" name="Notes Placeholder 2"/>
+          <p:cNvSpPr>
+            <a:spLocks noGrp="1"/>
+          </p:cNvSpPr>
+          <p:nvPr>
+            <p:ph type="body" idx="1"/>
+          </p:nvPr>
+        </p:nvSpPr>
+        <p:spPr/>
+        <p:txBody>
+          <a:bodyPr/>
+          <a:lstStyle/>
+          <a:p>
+            <a:r>
+              <a:rPr lang="en-US" dirty="0" smtClean="0"/>
+              <a:t>If we could continue this project we</a:t>
+            </a:r>
+            <a:r>
+              <a:rPr lang="en-US" baseline="0" dirty="0" smtClean="0"/>
+              <a:t> would add higher level features such as functions, and other object types. We also would implement other features such as a debugger.</a:t>
+            </a:r>
+            <a:endParaRPr lang="en-US" dirty="0"/>
+          </a:p>
+        </p:txBody>
+      </p:sp>
+      <p:sp>
+        <p:nvSpPr>
+          <p:cNvPr id="4" name="Slide Number Placeholder 3"/>
+          <p:cNvSpPr>
+            <a:spLocks noGrp="1"/>
+          </p:cNvSpPr>
+          <p:nvPr>
+            <p:ph type="sldNum" sz="quarter" idx="10"/>
+          </p:nvPr>
+        </p:nvSpPr>
+        <p:spPr/>
+        <p:txBody>
+          <a:bodyPr/>
+          <a:lstStyle/>
+          <a:p>
+            <a:fld id="{C0C6581E-7663-9241-9DB2-84B5A3ACDACE}" type="slidenum">
+              <a:rPr lang="en-US" smtClean="0"/>
+              <a:t>6</a:t>
+            </a:fld>
+            <a:endParaRPr lang="en-US"/>
+          </a:p>
+        </p:txBody>
+      </p:sp>
+    </p:spTree>
+    <p:extLst>
+      <p:ext uri="{BB962C8B-B14F-4D97-AF65-F5344CB8AC3E}">
+        <p14:creationId xmlns:p14="http://schemas.microsoft.com/office/powerpoint/2010/main" val="1304774900"/>
+      </p:ext>
+    </p:extLst>
+  </p:cSld>
+  <p:clrMapOvr>
+    <a:masterClrMapping/>
+  </p:clrMapOvr>
+</p:notes>
 </file>
 
 <file path=ppt/slideLayouts/slideLayout1.xml><?xml version="1.0" encoding="utf-8"?>
@@ -154,10 +1038,9 @@
           </a:lstStyle>
           <a:p>
             <a:r>
-              <a:rPr lang="en-US" smtClean="0"/>
+              <a:rPr lang="en-US"/>
               <a:t>Click to edit Master title style</a:t>
             </a:r>
-            <a:endParaRPr lang="en-US"/>
           </a:p>
         </p:txBody>
       </p:sp>
@@ -219,10 +1102,9 @@
           </a:lstStyle>
           <a:p>
             <a:r>
-              <a:rPr lang="en-US" smtClean="0"/>
+              <a:rPr lang="en-US"/>
               <a:t>Click to edit Master subtitle style</a:t>
             </a:r>
-            <a:endParaRPr lang="en-US"/>
           </a:p>
         </p:txBody>
       </p:sp>
@@ -239,11 +1121,21 @@
         <p:spPr/>
         <p:txBody>
           <a:bodyPr/>
-          <a:lstStyle/>
-          <a:p>
-            <a:fld id="{7587DBAB-E929-9049-A580-9A4DDEA30D67}" type="datetimeFigureOut">
-              <a:rPr lang="en-US" smtClean="0"/>
-              <a:t>12/1/17</a:t>
+          <a:lstStyle>
+            <a:lvl1pPr>
+              <a:defRPr/>
+            </a:lvl1pPr>
+          </a:lstStyle>
+          <a:p>
+            <a:pPr>
+              <a:defRPr/>
+            </a:pPr>
+            <a:fld id="{6B5432BF-CE97-4FA2-8FFC-0AC66472A5FA}" type="datetimeFigureOut">
+              <a:rPr lang="en-US"/>
+              <a:pPr>
+                <a:defRPr/>
+              </a:pPr>
+              <a:t>12/3/17</a:t>
             </a:fld>
             <a:endParaRPr lang="en-US"/>
           </a:p>
@@ -262,8 +1154,15 @@
         <p:spPr/>
         <p:txBody>
           <a:bodyPr/>
-          <a:lstStyle/>
-          <a:p>
+          <a:lstStyle>
+            <a:lvl1pPr>
+              <a:defRPr/>
+            </a:lvl1pPr>
+          </a:lstStyle>
+          <a:p>
+            <a:pPr>
+              <a:defRPr/>
+            </a:pPr>
             <a:endParaRPr lang="en-US"/>
           </a:p>
         </p:txBody>
@@ -281,20 +1180,25 @@
         <p:spPr/>
         <p:txBody>
           <a:bodyPr/>
-          <a:lstStyle/>
-          <a:p>
-            <a:fld id="{E3FACEEE-1D40-0E47-B400-E061ADD41AB0}" type="slidenum">
-              <a:rPr lang="en-US" smtClean="0"/>
+          <a:lstStyle>
+            <a:lvl1pPr>
+              <a:defRPr/>
+            </a:lvl1pPr>
+          </a:lstStyle>
+          <a:p>
+            <a:fld id="{AA58D119-FCBB-4FD9-89E0-BBCC638467A7}" type="slidenum">
+              <a:rPr lang="en-US" altLang="en-US"/>
+              <a:pPr/>
               <a:t>‹#›</a:t>
             </a:fld>
-            <a:endParaRPr lang="en-US"/>
+            <a:endParaRPr lang="en-US" altLang="en-US"/>
           </a:p>
         </p:txBody>
       </p:sp>
     </p:spTree>
     <p:extLst>
       <p:ext uri="{BB962C8B-B14F-4D97-AF65-F5344CB8AC3E}">
-        <p14:creationId xmlns:p14="http://schemas.microsoft.com/office/powerpoint/2010/main" val="519925671"/>
+        <p14:creationId xmlns:p14="http://schemas.microsoft.com/office/powerpoint/2010/main" val="1530323889"/>
       </p:ext>
     </p:extLst>
   </p:cSld>
@@ -337,10 +1241,9 @@
           <a:lstStyle/>
           <a:p>
             <a:r>
-              <a:rPr lang="en-US" smtClean="0"/>
+              <a:rPr lang="en-US"/>
               <a:t>Click to edit Master title style</a:t>
             </a:r>
-            <a:endParaRPr lang="en-US"/>
           </a:p>
         </p:txBody>
       </p:sp>
@@ -361,38 +1264,37 @@
           <a:p>
             <a:pPr lvl="0"/>
             <a:r>
-              <a:rPr lang="en-US" smtClean="0"/>
+              <a:rPr lang="en-US"/>
               <a:t>Click to edit Master text styles</a:t>
             </a:r>
           </a:p>
           <a:p>
             <a:pPr lvl="1"/>
             <a:r>
-              <a:rPr lang="en-US" smtClean="0"/>
+              <a:rPr lang="en-US"/>
               <a:t>Second level</a:t>
             </a:r>
           </a:p>
           <a:p>
             <a:pPr lvl="2"/>
             <a:r>
-              <a:rPr lang="en-US" smtClean="0"/>
+              <a:rPr lang="en-US"/>
               <a:t>Third level</a:t>
             </a:r>
           </a:p>
           <a:p>
             <a:pPr lvl="3"/>
             <a:r>
-              <a:rPr lang="en-US" smtClean="0"/>
+              <a:rPr lang="en-US"/>
               <a:t>Fourth level</a:t>
             </a:r>
           </a:p>
           <a:p>
             <a:pPr lvl="4"/>
             <a:r>
-              <a:rPr lang="en-US" smtClean="0"/>
+              <a:rPr lang="en-US"/>
               <a:t>Fifth level</a:t>
             </a:r>
-            <a:endParaRPr lang="en-US"/>
           </a:p>
         </p:txBody>
       </p:sp>
@@ -409,11 +1311,21 @@
         <p:spPr/>
         <p:txBody>
           <a:bodyPr/>
-          <a:lstStyle/>
-          <a:p>
-            <a:fld id="{7587DBAB-E929-9049-A580-9A4DDEA30D67}" type="datetimeFigureOut">
-              <a:rPr lang="en-US" smtClean="0"/>
-              <a:t>12/1/17</a:t>
+          <a:lstStyle>
+            <a:lvl1pPr>
+              <a:defRPr/>
+            </a:lvl1pPr>
+          </a:lstStyle>
+          <a:p>
+            <a:pPr>
+              <a:defRPr/>
+            </a:pPr>
+            <a:fld id="{A5DB6E65-8ADD-43BE-A501-C66B876AE9AF}" type="datetimeFigureOut">
+              <a:rPr lang="en-US"/>
+              <a:pPr>
+                <a:defRPr/>
+              </a:pPr>
+              <a:t>12/3/17</a:t>
             </a:fld>
             <a:endParaRPr lang="en-US"/>
           </a:p>
@@ -432,8 +1344,15 @@
         <p:spPr/>
         <p:txBody>
           <a:bodyPr/>
-          <a:lstStyle/>
-          <a:p>
+          <a:lstStyle>
+            <a:lvl1pPr>
+              <a:defRPr/>
+            </a:lvl1pPr>
+          </a:lstStyle>
+          <a:p>
+            <a:pPr>
+              <a:defRPr/>
+            </a:pPr>
             <a:endParaRPr lang="en-US"/>
           </a:p>
         </p:txBody>
@@ -451,20 +1370,25 @@
         <p:spPr/>
         <p:txBody>
           <a:bodyPr/>
-          <a:lstStyle/>
-          <a:p>
-            <a:fld id="{E3FACEEE-1D40-0E47-B400-E061ADD41AB0}" type="slidenum">
-              <a:rPr lang="en-US" smtClean="0"/>
+          <a:lstStyle>
+            <a:lvl1pPr>
+              <a:defRPr/>
+            </a:lvl1pPr>
+          </a:lstStyle>
+          <a:p>
+            <a:fld id="{3C4D9BE1-1EB4-4904-A399-38907074DE73}" type="slidenum">
+              <a:rPr lang="en-US" altLang="en-US"/>
+              <a:pPr/>
               <a:t>‹#›</a:t>
             </a:fld>
-            <a:endParaRPr lang="en-US"/>
+            <a:endParaRPr lang="en-US" altLang="en-US"/>
           </a:p>
         </p:txBody>
       </p:sp>
     </p:spTree>
     <p:extLst>
       <p:ext uri="{BB962C8B-B14F-4D97-AF65-F5344CB8AC3E}">
-        <p14:creationId xmlns:p14="http://schemas.microsoft.com/office/powerpoint/2010/main" val="1315309900"/>
+        <p14:creationId xmlns:p14="http://schemas.microsoft.com/office/powerpoint/2010/main" val="1159895711"/>
       </p:ext>
     </p:extLst>
   </p:cSld>
@@ -512,10 +1436,9 @@
           <a:lstStyle/>
           <a:p>
             <a:r>
-              <a:rPr lang="en-US" smtClean="0"/>
+              <a:rPr lang="en-US"/>
               <a:t>Click to edit Master title style</a:t>
             </a:r>
-            <a:endParaRPr lang="en-US"/>
           </a:p>
         </p:txBody>
       </p:sp>
@@ -541,38 +1464,37 @@
           <a:p>
             <a:pPr lvl="0"/>
             <a:r>
-              <a:rPr lang="en-US" smtClean="0"/>
+              <a:rPr lang="en-US"/>
               <a:t>Click to edit Master text styles</a:t>
             </a:r>
           </a:p>
           <a:p>
             <a:pPr lvl="1"/>
             <a:r>
-              <a:rPr lang="en-US" smtClean="0"/>
+              <a:rPr lang="en-US"/>
               <a:t>Second level</a:t>
             </a:r>
           </a:p>
           <a:p>
             <a:pPr lvl="2"/>
             <a:r>
-              <a:rPr lang="en-US" smtClean="0"/>
+              <a:rPr lang="en-US"/>
               <a:t>Third level</a:t>
             </a:r>
           </a:p>
           <a:p>
             <a:pPr lvl="3"/>
             <a:r>
-              <a:rPr lang="en-US" smtClean="0"/>
+              <a:rPr lang="en-US"/>
               <a:t>Fourth level</a:t>
             </a:r>
           </a:p>
           <a:p>
             <a:pPr lvl="4"/>
             <a:r>
-              <a:rPr lang="en-US" smtClean="0"/>
+              <a:rPr lang="en-US"/>
               <a:t>Fifth level</a:t>
             </a:r>
-            <a:endParaRPr lang="en-US"/>
           </a:p>
         </p:txBody>
       </p:sp>
@@ -589,11 +1511,21 @@
         <p:spPr/>
         <p:txBody>
           <a:bodyPr/>
-          <a:lstStyle/>
-          <a:p>
-            <a:fld id="{7587DBAB-E929-9049-A580-9A4DDEA30D67}" type="datetimeFigureOut">
-              <a:rPr lang="en-US" smtClean="0"/>
-              <a:t>12/1/17</a:t>
+          <a:lstStyle>
+            <a:lvl1pPr>
+              <a:defRPr/>
+            </a:lvl1pPr>
+          </a:lstStyle>
+          <a:p>
+            <a:pPr>
+              <a:defRPr/>
+            </a:pPr>
+            <a:fld id="{F2D9E39A-9AAE-4607-BC49-564656405BEC}" type="datetimeFigureOut">
+              <a:rPr lang="en-US"/>
+              <a:pPr>
+                <a:defRPr/>
+              </a:pPr>
+              <a:t>12/3/17</a:t>
             </a:fld>
             <a:endParaRPr lang="en-US"/>
           </a:p>
@@ -612,8 +1544,15 @@
         <p:spPr/>
         <p:txBody>
           <a:bodyPr/>
-          <a:lstStyle/>
-          <a:p>
+          <a:lstStyle>
+            <a:lvl1pPr>
+              <a:defRPr/>
+            </a:lvl1pPr>
+          </a:lstStyle>
+          <a:p>
+            <a:pPr>
+              <a:defRPr/>
+            </a:pPr>
             <a:endParaRPr lang="en-US"/>
           </a:p>
         </p:txBody>
@@ -631,20 +1570,25 @@
         <p:spPr/>
         <p:txBody>
           <a:bodyPr/>
-          <a:lstStyle/>
-          <a:p>
-            <a:fld id="{E3FACEEE-1D40-0E47-B400-E061ADD41AB0}" type="slidenum">
-              <a:rPr lang="en-US" smtClean="0"/>
+          <a:lstStyle>
+            <a:lvl1pPr>
+              <a:defRPr/>
+            </a:lvl1pPr>
+          </a:lstStyle>
+          <a:p>
+            <a:fld id="{11EC33FE-1773-423C-B0AF-324973C2B47D}" type="slidenum">
+              <a:rPr lang="en-US" altLang="en-US"/>
+              <a:pPr/>
               <a:t>‹#›</a:t>
             </a:fld>
-            <a:endParaRPr lang="en-US"/>
+            <a:endParaRPr lang="en-US" altLang="en-US"/>
           </a:p>
         </p:txBody>
       </p:sp>
     </p:spTree>
     <p:extLst>
       <p:ext uri="{BB962C8B-B14F-4D97-AF65-F5344CB8AC3E}">
-        <p14:creationId xmlns:p14="http://schemas.microsoft.com/office/powerpoint/2010/main" val="216827082"/>
+        <p14:creationId xmlns:p14="http://schemas.microsoft.com/office/powerpoint/2010/main" val="3843039624"/>
       </p:ext>
     </p:extLst>
   </p:cSld>
@@ -687,10 +1631,9 @@
           <a:lstStyle/>
           <a:p>
             <a:r>
-              <a:rPr lang="en-US" smtClean="0"/>
+              <a:rPr lang="en-US"/>
               <a:t>Click to edit Master title style</a:t>
             </a:r>
-            <a:endParaRPr lang="en-US"/>
           </a:p>
         </p:txBody>
       </p:sp>
@@ -711,38 +1654,37 @@
           <a:p>
             <a:pPr lvl="0"/>
             <a:r>
-              <a:rPr lang="en-US" smtClean="0"/>
+              <a:rPr lang="en-US"/>
               <a:t>Click to edit Master text styles</a:t>
             </a:r>
           </a:p>
           <a:p>
             <a:pPr lvl="1"/>
             <a:r>
-              <a:rPr lang="en-US" smtClean="0"/>
+              <a:rPr lang="en-US"/>
               <a:t>Second level</a:t>
             </a:r>
           </a:p>
           <a:p>
             <a:pPr lvl="2"/>
             <a:r>
-              <a:rPr lang="en-US" smtClean="0"/>
+              <a:rPr lang="en-US"/>
               <a:t>Third level</a:t>
             </a:r>
           </a:p>
           <a:p>
             <a:pPr lvl="3"/>
             <a:r>
-              <a:rPr lang="en-US" smtClean="0"/>
+              <a:rPr lang="en-US"/>
               <a:t>Fourth level</a:t>
             </a:r>
           </a:p>
           <a:p>
             <a:pPr lvl="4"/>
             <a:r>
-              <a:rPr lang="en-US" smtClean="0"/>
+              <a:rPr lang="en-US"/>
               <a:t>Fifth level</a:t>
             </a:r>
-            <a:endParaRPr lang="en-US"/>
           </a:p>
         </p:txBody>
       </p:sp>
@@ -759,11 +1701,21 @@
         <p:spPr/>
         <p:txBody>
           <a:bodyPr/>
-          <a:lstStyle/>
-          <a:p>
-            <a:fld id="{7587DBAB-E929-9049-A580-9A4DDEA30D67}" type="datetimeFigureOut">
-              <a:rPr lang="en-US" smtClean="0"/>
-              <a:t>12/1/17</a:t>
+          <a:lstStyle>
+            <a:lvl1pPr>
+              <a:defRPr/>
+            </a:lvl1pPr>
+          </a:lstStyle>
+          <a:p>
+            <a:pPr>
+              <a:defRPr/>
+            </a:pPr>
+            <a:fld id="{BE5FE4EB-C172-470C-AC93-3FDDDB86475E}" type="datetimeFigureOut">
+              <a:rPr lang="en-US"/>
+              <a:pPr>
+                <a:defRPr/>
+              </a:pPr>
+              <a:t>12/3/17</a:t>
             </a:fld>
             <a:endParaRPr lang="en-US"/>
           </a:p>
@@ -782,8 +1734,15 @@
         <p:spPr/>
         <p:txBody>
           <a:bodyPr/>
-          <a:lstStyle/>
-          <a:p>
+          <a:lstStyle>
+            <a:lvl1pPr>
+              <a:defRPr/>
+            </a:lvl1pPr>
+          </a:lstStyle>
+          <a:p>
+            <a:pPr>
+              <a:defRPr/>
+            </a:pPr>
             <a:endParaRPr lang="en-US"/>
           </a:p>
         </p:txBody>
@@ -801,20 +1760,25 @@
         <p:spPr/>
         <p:txBody>
           <a:bodyPr/>
-          <a:lstStyle/>
-          <a:p>
-            <a:fld id="{E3FACEEE-1D40-0E47-B400-E061ADD41AB0}" type="slidenum">
-              <a:rPr lang="en-US" smtClean="0"/>
+          <a:lstStyle>
+            <a:lvl1pPr>
+              <a:defRPr/>
+            </a:lvl1pPr>
+          </a:lstStyle>
+          <a:p>
+            <a:fld id="{C1567E7A-B16D-4CE1-B8D4-877C8268C543}" type="slidenum">
+              <a:rPr lang="en-US" altLang="en-US"/>
+              <a:pPr/>
               <a:t>‹#›</a:t>
             </a:fld>
-            <a:endParaRPr lang="en-US"/>
+            <a:endParaRPr lang="en-US" altLang="en-US"/>
           </a:p>
         </p:txBody>
       </p:sp>
     </p:spTree>
     <p:extLst>
       <p:ext uri="{BB962C8B-B14F-4D97-AF65-F5344CB8AC3E}">
-        <p14:creationId xmlns:p14="http://schemas.microsoft.com/office/powerpoint/2010/main" val="279792854"/>
+        <p14:creationId xmlns:p14="http://schemas.microsoft.com/office/powerpoint/2010/main" val="1931958363"/>
       </p:ext>
     </p:extLst>
   </p:cSld>
@@ -866,10 +1830,9 @@
           </a:lstStyle>
           <a:p>
             <a:r>
-              <a:rPr lang="en-US" smtClean="0"/>
+              <a:rPr lang="en-US"/>
               <a:t>Click to edit Master title style</a:t>
             </a:r>
-            <a:endParaRPr lang="en-US"/>
           </a:p>
         </p:txBody>
       </p:sp>
@@ -986,7 +1949,7 @@
           <a:p>
             <a:pPr lvl="0"/>
             <a:r>
-              <a:rPr lang="en-US" smtClean="0"/>
+              <a:rPr lang="en-US"/>
               <a:t>Click to edit Master text styles</a:t>
             </a:r>
           </a:p>
@@ -1005,11 +1968,21 @@
         <p:spPr/>
         <p:txBody>
           <a:bodyPr/>
-          <a:lstStyle/>
-          <a:p>
-            <a:fld id="{7587DBAB-E929-9049-A580-9A4DDEA30D67}" type="datetimeFigureOut">
-              <a:rPr lang="en-US" smtClean="0"/>
-              <a:t>12/1/17</a:t>
+          <a:lstStyle>
+            <a:lvl1pPr>
+              <a:defRPr/>
+            </a:lvl1pPr>
+          </a:lstStyle>
+          <a:p>
+            <a:pPr>
+              <a:defRPr/>
+            </a:pPr>
+            <a:fld id="{5B63D13A-62AC-4345-83C5-3851C9DEC217}" type="datetimeFigureOut">
+              <a:rPr lang="en-US"/>
+              <a:pPr>
+                <a:defRPr/>
+              </a:pPr>
+              <a:t>12/3/17</a:t>
             </a:fld>
             <a:endParaRPr lang="en-US"/>
           </a:p>
@@ -1028,8 +2001,15 @@
         <p:spPr/>
         <p:txBody>
           <a:bodyPr/>
-          <a:lstStyle/>
-          <a:p>
+          <a:lstStyle>
+            <a:lvl1pPr>
+              <a:defRPr/>
+            </a:lvl1pPr>
+          </a:lstStyle>
+          <a:p>
+            <a:pPr>
+              <a:defRPr/>
+            </a:pPr>
             <a:endParaRPr lang="en-US"/>
           </a:p>
         </p:txBody>
@@ -1047,20 +2027,25 @@
         <p:spPr/>
         <p:txBody>
           <a:bodyPr/>
-          <a:lstStyle/>
-          <a:p>
-            <a:fld id="{E3FACEEE-1D40-0E47-B400-E061ADD41AB0}" type="slidenum">
-              <a:rPr lang="en-US" smtClean="0"/>
+          <a:lstStyle>
+            <a:lvl1pPr>
+              <a:defRPr/>
+            </a:lvl1pPr>
+          </a:lstStyle>
+          <a:p>
+            <a:fld id="{471D0A1E-B0D0-477B-8AE5-92EDC977C06A}" type="slidenum">
+              <a:rPr lang="en-US" altLang="en-US"/>
+              <a:pPr/>
               <a:t>‹#›</a:t>
             </a:fld>
-            <a:endParaRPr lang="en-US"/>
+            <a:endParaRPr lang="en-US" altLang="en-US"/>
           </a:p>
         </p:txBody>
       </p:sp>
     </p:spTree>
     <p:extLst>
       <p:ext uri="{BB962C8B-B14F-4D97-AF65-F5344CB8AC3E}">
-        <p14:creationId xmlns:p14="http://schemas.microsoft.com/office/powerpoint/2010/main" val="1636793895"/>
+        <p14:creationId xmlns:p14="http://schemas.microsoft.com/office/powerpoint/2010/main" val="566591343"/>
       </p:ext>
     </p:extLst>
   </p:cSld>
@@ -1103,10 +2088,9 @@
           <a:lstStyle/>
           <a:p>
             <a:r>
-              <a:rPr lang="en-US" smtClean="0"/>
+              <a:rPr lang="en-US"/>
               <a:t>Click to edit Master title style</a:t>
             </a:r>
-            <a:endParaRPr lang="en-US"/>
           </a:p>
         </p:txBody>
       </p:sp>
@@ -1132,38 +2116,37 @@
           <a:p>
             <a:pPr lvl="0"/>
             <a:r>
-              <a:rPr lang="en-US" smtClean="0"/>
+              <a:rPr lang="en-US"/>
               <a:t>Click to edit Master text styles</a:t>
             </a:r>
           </a:p>
           <a:p>
             <a:pPr lvl="1"/>
             <a:r>
-              <a:rPr lang="en-US" smtClean="0"/>
+              <a:rPr lang="en-US"/>
               <a:t>Second level</a:t>
             </a:r>
           </a:p>
           <a:p>
             <a:pPr lvl="2"/>
             <a:r>
-              <a:rPr lang="en-US" smtClean="0"/>
+              <a:rPr lang="en-US"/>
               <a:t>Third level</a:t>
             </a:r>
           </a:p>
           <a:p>
             <a:pPr lvl="3"/>
             <a:r>
-              <a:rPr lang="en-US" smtClean="0"/>
+              <a:rPr lang="en-US"/>
               <a:t>Fourth level</a:t>
             </a:r>
           </a:p>
           <a:p>
             <a:pPr lvl="4"/>
             <a:r>
-              <a:rPr lang="en-US" smtClean="0"/>
+              <a:rPr lang="en-US"/>
               <a:t>Fifth level</a:t>
             </a:r>
-            <a:endParaRPr lang="en-US"/>
           </a:p>
         </p:txBody>
       </p:sp>
@@ -1189,44 +2172,43 @@
           <a:p>
             <a:pPr lvl="0"/>
             <a:r>
-              <a:rPr lang="en-US" smtClean="0"/>
+              <a:rPr lang="en-US"/>
               <a:t>Click to edit Master text styles</a:t>
             </a:r>
           </a:p>
           <a:p>
             <a:pPr lvl="1"/>
             <a:r>
-              <a:rPr lang="en-US" smtClean="0"/>
+              <a:rPr lang="en-US"/>
               <a:t>Second level</a:t>
             </a:r>
           </a:p>
           <a:p>
             <a:pPr lvl="2"/>
             <a:r>
-              <a:rPr lang="en-US" smtClean="0"/>
+              <a:rPr lang="en-US"/>
               <a:t>Third level</a:t>
             </a:r>
           </a:p>
           <a:p>
             <a:pPr lvl="3"/>
             <a:r>
-              <a:rPr lang="en-US" smtClean="0"/>
+              <a:rPr lang="en-US"/>
               <a:t>Fourth level</a:t>
             </a:r>
           </a:p>
           <a:p>
             <a:pPr lvl="4"/>
             <a:r>
-              <a:rPr lang="en-US" smtClean="0"/>
+              <a:rPr lang="en-US"/>
               <a:t>Fifth level</a:t>
             </a:r>
-            <a:endParaRPr lang="en-US"/>
-          </a:p>
-        </p:txBody>
-      </p:sp>
-      <p:sp>
-        <p:nvSpPr>
-          <p:cNvPr id="5" name="Date Placeholder 4"/>
+          </a:p>
+        </p:txBody>
+      </p:sp>
+      <p:sp>
+        <p:nvSpPr>
+          <p:cNvPr id="5" name="Date Placeholder 3"/>
           <p:cNvSpPr>
             <a:spLocks noGrp="1"/>
           </p:cNvSpPr>
@@ -1237,11 +2219,21 @@
         <p:spPr/>
         <p:txBody>
           <a:bodyPr/>
-          <a:lstStyle/>
-          <a:p>
-            <a:fld id="{7587DBAB-E929-9049-A580-9A4DDEA30D67}" type="datetimeFigureOut">
-              <a:rPr lang="en-US" smtClean="0"/>
-              <a:t>12/1/17</a:t>
+          <a:lstStyle>
+            <a:lvl1pPr>
+              <a:defRPr/>
+            </a:lvl1pPr>
+          </a:lstStyle>
+          <a:p>
+            <a:pPr>
+              <a:defRPr/>
+            </a:pPr>
+            <a:fld id="{AA55B5DC-CEF2-4733-85A2-7B2FFB49A419}" type="datetimeFigureOut">
+              <a:rPr lang="en-US"/>
+              <a:pPr>
+                <a:defRPr/>
+              </a:pPr>
+              <a:t>12/3/17</a:t>
             </a:fld>
             <a:endParaRPr lang="en-US"/>
           </a:p>
@@ -1249,7 +2241,7 @@
       </p:sp>
       <p:sp>
         <p:nvSpPr>
-          <p:cNvPr id="6" name="Footer Placeholder 5"/>
+          <p:cNvPr id="6" name="Footer Placeholder 4"/>
           <p:cNvSpPr>
             <a:spLocks noGrp="1"/>
           </p:cNvSpPr>
@@ -1260,15 +2252,22 @@
         <p:spPr/>
         <p:txBody>
           <a:bodyPr/>
-          <a:lstStyle/>
-          <a:p>
+          <a:lstStyle>
+            <a:lvl1pPr>
+              <a:defRPr/>
+            </a:lvl1pPr>
+          </a:lstStyle>
+          <a:p>
+            <a:pPr>
+              <a:defRPr/>
+            </a:pPr>
             <a:endParaRPr lang="en-US"/>
           </a:p>
         </p:txBody>
       </p:sp>
       <p:sp>
         <p:nvSpPr>
-          <p:cNvPr id="7" name="Slide Number Placeholder 6"/>
+          <p:cNvPr id="7" name="Slide Number Placeholder 5"/>
           <p:cNvSpPr>
             <a:spLocks noGrp="1"/>
           </p:cNvSpPr>
@@ -1279,20 +2278,25 @@
         <p:spPr/>
         <p:txBody>
           <a:bodyPr/>
-          <a:lstStyle/>
-          <a:p>
-            <a:fld id="{E3FACEEE-1D40-0E47-B400-E061ADD41AB0}" type="slidenum">
-              <a:rPr lang="en-US" smtClean="0"/>
+          <a:lstStyle>
+            <a:lvl1pPr>
+              <a:defRPr/>
+            </a:lvl1pPr>
+          </a:lstStyle>
+          <a:p>
+            <a:fld id="{89CA179E-B259-473B-8393-B8EAEDB8803B}" type="slidenum">
+              <a:rPr lang="en-US" altLang="en-US"/>
+              <a:pPr/>
               <a:t>‹#›</a:t>
             </a:fld>
-            <a:endParaRPr lang="en-US"/>
+            <a:endParaRPr lang="en-US" altLang="en-US"/>
           </a:p>
         </p:txBody>
       </p:sp>
     </p:spTree>
     <p:extLst>
       <p:ext uri="{BB962C8B-B14F-4D97-AF65-F5344CB8AC3E}">
-        <p14:creationId xmlns:p14="http://schemas.microsoft.com/office/powerpoint/2010/main" val="329475195"/>
+        <p14:creationId xmlns:p14="http://schemas.microsoft.com/office/powerpoint/2010/main" val="902855154"/>
       </p:ext>
     </p:extLst>
   </p:cSld>
@@ -1340,10 +2344,9 @@
           <a:lstStyle/>
           <a:p>
             <a:r>
-              <a:rPr lang="en-US" smtClean="0"/>
+              <a:rPr lang="en-US"/>
               <a:t>Click to edit Master title style</a:t>
             </a:r>
-            <a:endParaRPr lang="en-US"/>
           </a:p>
         </p:txBody>
       </p:sp>
@@ -1406,7 +2409,7 @@
           <a:p>
             <a:pPr lvl="0"/>
             <a:r>
-              <a:rPr lang="en-US" smtClean="0"/>
+              <a:rPr lang="en-US"/>
               <a:t>Click to edit Master text styles</a:t>
             </a:r>
           </a:p>
@@ -1434,38 +2437,37 @@
           <a:p>
             <a:pPr lvl="0"/>
             <a:r>
-              <a:rPr lang="en-US" smtClean="0"/>
+              <a:rPr lang="en-US"/>
               <a:t>Click to edit Master text styles</a:t>
             </a:r>
           </a:p>
           <a:p>
             <a:pPr lvl="1"/>
             <a:r>
-              <a:rPr lang="en-US" smtClean="0"/>
+              <a:rPr lang="en-US"/>
               <a:t>Second level</a:t>
             </a:r>
           </a:p>
           <a:p>
             <a:pPr lvl="2"/>
             <a:r>
-              <a:rPr lang="en-US" smtClean="0"/>
+              <a:rPr lang="en-US"/>
               <a:t>Third level</a:t>
             </a:r>
           </a:p>
           <a:p>
             <a:pPr lvl="3"/>
             <a:r>
-              <a:rPr lang="en-US" smtClean="0"/>
+              <a:rPr lang="en-US"/>
               <a:t>Fourth level</a:t>
             </a:r>
           </a:p>
           <a:p>
             <a:pPr lvl="4"/>
             <a:r>
-              <a:rPr lang="en-US" smtClean="0"/>
+              <a:rPr lang="en-US"/>
               <a:t>Fifth level</a:t>
             </a:r>
-            <a:endParaRPr lang="en-US"/>
           </a:p>
         </p:txBody>
       </p:sp>
@@ -1528,7 +2530,7 @@
           <a:p>
             <a:pPr lvl="0"/>
             <a:r>
-              <a:rPr lang="en-US" smtClean="0"/>
+              <a:rPr lang="en-US"/>
               <a:t>Click to edit Master text styles</a:t>
             </a:r>
           </a:p>
@@ -1556,44 +2558,43 @@
           <a:p>
             <a:pPr lvl="0"/>
             <a:r>
-              <a:rPr lang="en-US" smtClean="0"/>
+              <a:rPr lang="en-US"/>
               <a:t>Click to edit Master text styles</a:t>
             </a:r>
           </a:p>
           <a:p>
             <a:pPr lvl="1"/>
             <a:r>
-              <a:rPr lang="en-US" smtClean="0"/>
+              <a:rPr lang="en-US"/>
               <a:t>Second level</a:t>
             </a:r>
           </a:p>
           <a:p>
             <a:pPr lvl="2"/>
             <a:r>
-              <a:rPr lang="en-US" smtClean="0"/>
+              <a:rPr lang="en-US"/>
               <a:t>Third level</a:t>
             </a:r>
           </a:p>
           <a:p>
             <a:pPr lvl="3"/>
             <a:r>
-              <a:rPr lang="en-US" smtClean="0"/>
+              <a:rPr lang="en-US"/>
               <a:t>Fourth level</a:t>
             </a:r>
           </a:p>
           <a:p>
             <a:pPr lvl="4"/>
             <a:r>
-              <a:rPr lang="en-US" smtClean="0"/>
+              <a:rPr lang="en-US"/>
               <a:t>Fifth level</a:t>
             </a:r>
-            <a:endParaRPr lang="en-US"/>
-          </a:p>
-        </p:txBody>
-      </p:sp>
-      <p:sp>
-        <p:nvSpPr>
-          <p:cNvPr id="7" name="Date Placeholder 6"/>
+          </a:p>
+        </p:txBody>
+      </p:sp>
+      <p:sp>
+        <p:nvSpPr>
+          <p:cNvPr id="7" name="Date Placeholder 3"/>
           <p:cNvSpPr>
             <a:spLocks noGrp="1"/>
           </p:cNvSpPr>
@@ -1604,11 +2605,21 @@
         <p:spPr/>
         <p:txBody>
           <a:bodyPr/>
-          <a:lstStyle/>
-          <a:p>
-            <a:fld id="{7587DBAB-E929-9049-A580-9A4DDEA30D67}" type="datetimeFigureOut">
-              <a:rPr lang="en-US" smtClean="0"/>
-              <a:t>12/1/17</a:t>
+          <a:lstStyle>
+            <a:lvl1pPr>
+              <a:defRPr/>
+            </a:lvl1pPr>
+          </a:lstStyle>
+          <a:p>
+            <a:pPr>
+              <a:defRPr/>
+            </a:pPr>
+            <a:fld id="{EAFB1CC6-FECD-4385-AE9B-7C79F2058E09}" type="datetimeFigureOut">
+              <a:rPr lang="en-US"/>
+              <a:pPr>
+                <a:defRPr/>
+              </a:pPr>
+              <a:t>12/3/17</a:t>
             </a:fld>
             <a:endParaRPr lang="en-US"/>
           </a:p>
@@ -1616,7 +2627,7 @@
       </p:sp>
       <p:sp>
         <p:nvSpPr>
-          <p:cNvPr id="8" name="Footer Placeholder 7"/>
+          <p:cNvPr id="8" name="Footer Placeholder 4"/>
           <p:cNvSpPr>
             <a:spLocks noGrp="1"/>
           </p:cNvSpPr>
@@ -1627,15 +2638,22 @@
         <p:spPr/>
         <p:txBody>
           <a:bodyPr/>
-          <a:lstStyle/>
-          <a:p>
+          <a:lstStyle>
+            <a:lvl1pPr>
+              <a:defRPr/>
+            </a:lvl1pPr>
+          </a:lstStyle>
+          <a:p>
+            <a:pPr>
+              <a:defRPr/>
+            </a:pPr>
             <a:endParaRPr lang="en-US"/>
           </a:p>
         </p:txBody>
       </p:sp>
       <p:sp>
         <p:nvSpPr>
-          <p:cNvPr id="9" name="Slide Number Placeholder 8"/>
+          <p:cNvPr id="9" name="Slide Number Placeholder 5"/>
           <p:cNvSpPr>
             <a:spLocks noGrp="1"/>
           </p:cNvSpPr>
@@ -1646,20 +2664,25 @@
         <p:spPr/>
         <p:txBody>
           <a:bodyPr/>
-          <a:lstStyle/>
-          <a:p>
-            <a:fld id="{E3FACEEE-1D40-0E47-B400-E061ADD41AB0}" type="slidenum">
-              <a:rPr lang="en-US" smtClean="0"/>
+          <a:lstStyle>
+            <a:lvl1pPr>
+              <a:defRPr/>
+            </a:lvl1pPr>
+          </a:lstStyle>
+          <a:p>
+            <a:fld id="{77636F87-A965-449F-8502-E7E0E38C5367}" type="slidenum">
+              <a:rPr lang="en-US" altLang="en-US"/>
+              <a:pPr/>
               <a:t>‹#›</a:t>
             </a:fld>
-            <a:endParaRPr lang="en-US"/>
+            <a:endParaRPr lang="en-US" altLang="en-US"/>
           </a:p>
         </p:txBody>
       </p:sp>
     </p:spTree>
     <p:extLst>
       <p:ext uri="{BB962C8B-B14F-4D97-AF65-F5344CB8AC3E}">
-        <p14:creationId xmlns:p14="http://schemas.microsoft.com/office/powerpoint/2010/main" val="1276760399"/>
+        <p14:creationId xmlns:p14="http://schemas.microsoft.com/office/powerpoint/2010/main" val="4212529256"/>
       </p:ext>
     </p:extLst>
   </p:cSld>
@@ -1702,16 +2725,15 @@
           <a:lstStyle/>
           <a:p>
             <a:r>
-              <a:rPr lang="en-US" smtClean="0"/>
+              <a:rPr lang="en-US"/>
               <a:t>Click to edit Master title style</a:t>
             </a:r>
-            <a:endParaRPr lang="en-US"/>
-          </a:p>
-        </p:txBody>
-      </p:sp>
-      <p:sp>
-        <p:nvSpPr>
-          <p:cNvPr id="3" name="Date Placeholder 2"/>
+          </a:p>
+        </p:txBody>
+      </p:sp>
+      <p:sp>
+        <p:nvSpPr>
+          <p:cNvPr id="3" name="Date Placeholder 3"/>
           <p:cNvSpPr>
             <a:spLocks noGrp="1"/>
           </p:cNvSpPr>
@@ -1722,11 +2744,21 @@
         <p:spPr/>
         <p:txBody>
           <a:bodyPr/>
-          <a:lstStyle/>
-          <a:p>
-            <a:fld id="{7587DBAB-E929-9049-A580-9A4DDEA30D67}" type="datetimeFigureOut">
-              <a:rPr lang="en-US" smtClean="0"/>
-              <a:t>12/1/17</a:t>
+          <a:lstStyle>
+            <a:lvl1pPr>
+              <a:defRPr/>
+            </a:lvl1pPr>
+          </a:lstStyle>
+          <a:p>
+            <a:pPr>
+              <a:defRPr/>
+            </a:pPr>
+            <a:fld id="{F3507F42-F2CE-46CE-90A3-46E7B7BC9244}" type="datetimeFigureOut">
+              <a:rPr lang="en-US"/>
+              <a:pPr>
+                <a:defRPr/>
+              </a:pPr>
+              <a:t>12/3/17</a:t>
             </a:fld>
             <a:endParaRPr lang="en-US"/>
           </a:p>
@@ -1734,7 +2766,7 @@
       </p:sp>
       <p:sp>
         <p:nvSpPr>
-          <p:cNvPr id="4" name="Footer Placeholder 3"/>
+          <p:cNvPr id="4" name="Footer Placeholder 4"/>
           <p:cNvSpPr>
             <a:spLocks noGrp="1"/>
           </p:cNvSpPr>
@@ -1745,15 +2777,22 @@
         <p:spPr/>
         <p:txBody>
           <a:bodyPr/>
-          <a:lstStyle/>
-          <a:p>
+          <a:lstStyle>
+            <a:lvl1pPr>
+              <a:defRPr/>
+            </a:lvl1pPr>
+          </a:lstStyle>
+          <a:p>
+            <a:pPr>
+              <a:defRPr/>
+            </a:pPr>
             <a:endParaRPr lang="en-US"/>
           </a:p>
         </p:txBody>
       </p:sp>
       <p:sp>
         <p:nvSpPr>
-          <p:cNvPr id="5" name="Slide Number Placeholder 4"/>
+          <p:cNvPr id="5" name="Slide Number Placeholder 5"/>
           <p:cNvSpPr>
             <a:spLocks noGrp="1"/>
           </p:cNvSpPr>
@@ -1764,20 +2803,25 @@
         <p:spPr/>
         <p:txBody>
           <a:bodyPr/>
-          <a:lstStyle/>
-          <a:p>
-            <a:fld id="{E3FACEEE-1D40-0E47-B400-E061ADD41AB0}" type="slidenum">
-              <a:rPr lang="en-US" smtClean="0"/>
+          <a:lstStyle>
+            <a:lvl1pPr>
+              <a:defRPr/>
+            </a:lvl1pPr>
+          </a:lstStyle>
+          <a:p>
+            <a:fld id="{A3B0A783-6D11-4E06-B6B8-4276122DE95A}" type="slidenum">
+              <a:rPr lang="en-US" altLang="en-US"/>
+              <a:pPr/>
               <a:t>‹#›</a:t>
             </a:fld>
-            <a:endParaRPr lang="en-US"/>
+            <a:endParaRPr lang="en-US" altLang="en-US"/>
           </a:p>
         </p:txBody>
       </p:sp>
     </p:spTree>
     <p:extLst>
       <p:ext uri="{BB962C8B-B14F-4D97-AF65-F5344CB8AC3E}">
-        <p14:creationId xmlns:p14="http://schemas.microsoft.com/office/powerpoint/2010/main" val="855425169"/>
+        <p14:creationId xmlns:p14="http://schemas.microsoft.com/office/powerpoint/2010/main" val="2411079950"/>
       </p:ext>
     </p:extLst>
   </p:cSld>
@@ -1806,7 +2850,7 @@
       </p:grpSpPr>
       <p:sp>
         <p:nvSpPr>
-          <p:cNvPr id="2" name="Date Placeholder 1"/>
+          <p:cNvPr id="2" name="Date Placeholder 3"/>
           <p:cNvSpPr>
             <a:spLocks noGrp="1"/>
           </p:cNvSpPr>
@@ -1817,11 +2861,21 @@
         <p:spPr/>
         <p:txBody>
           <a:bodyPr/>
-          <a:lstStyle/>
-          <a:p>
-            <a:fld id="{7587DBAB-E929-9049-A580-9A4DDEA30D67}" type="datetimeFigureOut">
-              <a:rPr lang="en-US" smtClean="0"/>
-              <a:t>12/1/17</a:t>
+          <a:lstStyle>
+            <a:lvl1pPr>
+              <a:defRPr/>
+            </a:lvl1pPr>
+          </a:lstStyle>
+          <a:p>
+            <a:pPr>
+              <a:defRPr/>
+            </a:pPr>
+            <a:fld id="{99488E1F-517F-46DF-9A71-982B98100C65}" type="datetimeFigureOut">
+              <a:rPr lang="en-US"/>
+              <a:pPr>
+                <a:defRPr/>
+              </a:pPr>
+              <a:t>12/3/17</a:t>
             </a:fld>
             <a:endParaRPr lang="en-US"/>
           </a:p>
@@ -1829,7 +2883,7 @@
       </p:sp>
       <p:sp>
         <p:nvSpPr>
-          <p:cNvPr id="3" name="Footer Placeholder 2"/>
+          <p:cNvPr id="3" name="Footer Placeholder 4"/>
           <p:cNvSpPr>
             <a:spLocks noGrp="1"/>
           </p:cNvSpPr>
@@ -1840,15 +2894,22 @@
         <p:spPr/>
         <p:txBody>
           <a:bodyPr/>
-          <a:lstStyle/>
-          <a:p>
+          <a:lstStyle>
+            <a:lvl1pPr>
+              <a:defRPr/>
+            </a:lvl1pPr>
+          </a:lstStyle>
+          <a:p>
+            <a:pPr>
+              <a:defRPr/>
+            </a:pPr>
             <a:endParaRPr lang="en-US"/>
           </a:p>
         </p:txBody>
       </p:sp>
       <p:sp>
         <p:nvSpPr>
-          <p:cNvPr id="4" name="Slide Number Placeholder 3"/>
+          <p:cNvPr id="4" name="Slide Number Placeholder 5"/>
           <p:cNvSpPr>
             <a:spLocks noGrp="1"/>
           </p:cNvSpPr>
@@ -1859,20 +2920,25 @@
         <p:spPr/>
         <p:txBody>
           <a:bodyPr/>
-          <a:lstStyle/>
-          <a:p>
-            <a:fld id="{E3FACEEE-1D40-0E47-B400-E061ADD41AB0}" type="slidenum">
-              <a:rPr lang="en-US" smtClean="0"/>
+          <a:lstStyle>
+            <a:lvl1pPr>
+              <a:defRPr/>
+            </a:lvl1pPr>
+          </a:lstStyle>
+          <a:p>
+            <a:fld id="{F609C84D-1840-4759-964F-137D6AC8861E}" type="slidenum">
+              <a:rPr lang="en-US" altLang="en-US"/>
+              <a:pPr/>
               <a:t>‹#›</a:t>
             </a:fld>
-            <a:endParaRPr lang="en-US"/>
+            <a:endParaRPr lang="en-US" altLang="en-US"/>
           </a:p>
         </p:txBody>
       </p:sp>
     </p:spTree>
     <p:extLst>
       <p:ext uri="{BB962C8B-B14F-4D97-AF65-F5344CB8AC3E}">
-        <p14:creationId xmlns:p14="http://schemas.microsoft.com/office/powerpoint/2010/main" val="1875282365"/>
+        <p14:creationId xmlns:p14="http://schemas.microsoft.com/office/powerpoint/2010/main" val="3358686247"/>
       </p:ext>
     </p:extLst>
   </p:cSld>
@@ -1924,10 +2990,9 @@
           </a:lstStyle>
           <a:p>
             <a:r>
-              <a:rPr lang="en-US" smtClean="0"/>
+              <a:rPr lang="en-US"/>
               <a:t>Click to edit Master title style</a:t>
             </a:r>
-            <a:endParaRPr lang="en-US"/>
           </a:p>
         </p:txBody>
       </p:sp>
@@ -1981,38 +3046,37 @@
           <a:p>
             <a:pPr lvl="0"/>
             <a:r>
-              <a:rPr lang="en-US" smtClean="0"/>
+              <a:rPr lang="en-US"/>
               <a:t>Click to edit Master text styles</a:t>
             </a:r>
           </a:p>
           <a:p>
             <a:pPr lvl="1"/>
             <a:r>
-              <a:rPr lang="en-US" smtClean="0"/>
+              <a:rPr lang="en-US"/>
               <a:t>Second level</a:t>
             </a:r>
           </a:p>
           <a:p>
             <a:pPr lvl="2"/>
             <a:r>
-              <a:rPr lang="en-US" smtClean="0"/>
+              <a:rPr lang="en-US"/>
               <a:t>Third level</a:t>
             </a:r>
           </a:p>
           <a:p>
             <a:pPr lvl="3"/>
             <a:r>
-              <a:rPr lang="en-US" smtClean="0"/>
+              <a:rPr lang="en-US"/>
               <a:t>Fourth level</a:t>
             </a:r>
           </a:p>
           <a:p>
             <a:pPr lvl="4"/>
             <a:r>
-              <a:rPr lang="en-US" smtClean="0"/>
+              <a:rPr lang="en-US"/>
               <a:t>Fifth level</a:t>
             </a:r>
-            <a:endParaRPr lang="en-US"/>
           </a:p>
         </p:txBody>
       </p:sp>
@@ -2075,7 +3139,7 @@
           <a:p>
             <a:pPr lvl="0"/>
             <a:r>
-              <a:rPr lang="en-US" smtClean="0"/>
+              <a:rPr lang="en-US"/>
               <a:t>Click to edit Master text styles</a:t>
             </a:r>
           </a:p>
@@ -2083,7 +3147,7 @@
       </p:sp>
       <p:sp>
         <p:nvSpPr>
-          <p:cNvPr id="5" name="Date Placeholder 4"/>
+          <p:cNvPr id="5" name="Date Placeholder 3"/>
           <p:cNvSpPr>
             <a:spLocks noGrp="1"/>
           </p:cNvSpPr>
@@ -2094,11 +3158,21 @@
         <p:spPr/>
         <p:txBody>
           <a:bodyPr/>
-          <a:lstStyle/>
-          <a:p>
-            <a:fld id="{7587DBAB-E929-9049-A580-9A4DDEA30D67}" type="datetimeFigureOut">
-              <a:rPr lang="en-US" smtClean="0"/>
-              <a:t>12/1/17</a:t>
+          <a:lstStyle>
+            <a:lvl1pPr>
+              <a:defRPr/>
+            </a:lvl1pPr>
+          </a:lstStyle>
+          <a:p>
+            <a:pPr>
+              <a:defRPr/>
+            </a:pPr>
+            <a:fld id="{B550DEE3-7DC0-4180-AD8C-6E94DCFC07BE}" type="datetimeFigureOut">
+              <a:rPr lang="en-US"/>
+              <a:pPr>
+                <a:defRPr/>
+              </a:pPr>
+              <a:t>12/3/17</a:t>
             </a:fld>
             <a:endParaRPr lang="en-US"/>
           </a:p>
@@ -2106,7 +3180,7 @@
       </p:sp>
       <p:sp>
         <p:nvSpPr>
-          <p:cNvPr id="6" name="Footer Placeholder 5"/>
+          <p:cNvPr id="6" name="Footer Placeholder 4"/>
           <p:cNvSpPr>
             <a:spLocks noGrp="1"/>
           </p:cNvSpPr>
@@ -2117,15 +3191,22 @@
         <p:spPr/>
         <p:txBody>
           <a:bodyPr/>
-          <a:lstStyle/>
-          <a:p>
+          <a:lstStyle>
+            <a:lvl1pPr>
+              <a:defRPr/>
+            </a:lvl1pPr>
+          </a:lstStyle>
+          <a:p>
+            <a:pPr>
+              <a:defRPr/>
+            </a:pPr>
             <a:endParaRPr lang="en-US"/>
           </a:p>
         </p:txBody>
       </p:sp>
       <p:sp>
         <p:nvSpPr>
-          <p:cNvPr id="7" name="Slide Number Placeholder 6"/>
+          <p:cNvPr id="7" name="Slide Number Placeholder 5"/>
           <p:cNvSpPr>
             <a:spLocks noGrp="1"/>
           </p:cNvSpPr>
@@ -2136,20 +3217,25 @@
         <p:spPr/>
         <p:txBody>
           <a:bodyPr/>
-          <a:lstStyle/>
-          <a:p>
-            <a:fld id="{E3FACEEE-1D40-0E47-B400-E061ADD41AB0}" type="slidenum">
-              <a:rPr lang="en-US" smtClean="0"/>
+          <a:lstStyle>
+            <a:lvl1pPr>
+              <a:defRPr/>
+            </a:lvl1pPr>
+          </a:lstStyle>
+          <a:p>
+            <a:fld id="{BBA0410A-7155-4CEE-8937-ED468DBBADC4}" type="slidenum">
+              <a:rPr lang="en-US" altLang="en-US"/>
+              <a:pPr/>
               <a:t>‹#›</a:t>
             </a:fld>
-            <a:endParaRPr lang="en-US"/>
+            <a:endParaRPr lang="en-US" altLang="en-US"/>
           </a:p>
         </p:txBody>
       </p:sp>
     </p:spTree>
     <p:extLst>
       <p:ext uri="{BB962C8B-B14F-4D97-AF65-F5344CB8AC3E}">
-        <p14:creationId xmlns:p14="http://schemas.microsoft.com/office/powerpoint/2010/main" val="1400705183"/>
+        <p14:creationId xmlns:p14="http://schemas.microsoft.com/office/powerpoint/2010/main" val="883783984"/>
       </p:ext>
     </p:extLst>
   </p:cSld>
@@ -2201,10 +3287,9 @@
           </a:lstStyle>
           <a:p>
             <a:r>
-              <a:rPr lang="en-US" smtClean="0"/>
+              <a:rPr lang="en-US"/>
               <a:t>Click to edit Master title style</a:t>
             </a:r>
-            <a:endParaRPr lang="en-US"/>
           </a:p>
         </p:txBody>
       </p:sp>
@@ -2225,7 +3310,9 @@
           </a:xfrm>
         </p:spPr>
         <p:txBody>
-          <a:bodyPr/>
+          <a:bodyPr rtlCol="0">
+            <a:normAutofit/>
+          </a:bodyPr>
           <a:lstStyle>
             <a:lvl1pPr marL="0" indent="0">
               <a:buNone/>
@@ -2265,7 +3352,8 @@
             </a:lvl9pPr>
           </a:lstStyle>
           <a:p>
-            <a:endParaRPr lang="en-US"/>
+            <a:pPr lvl="0"/>
+            <a:endParaRPr lang="en-US" noProof="0"/>
           </a:p>
         </p:txBody>
       </p:sp>
@@ -2328,7 +3416,7 @@
           <a:p>
             <a:pPr lvl="0"/>
             <a:r>
-              <a:rPr lang="en-US" smtClean="0"/>
+              <a:rPr lang="en-US"/>
               <a:t>Click to edit Master text styles</a:t>
             </a:r>
           </a:p>
@@ -2336,7 +3424,7 @@
       </p:sp>
       <p:sp>
         <p:nvSpPr>
-          <p:cNvPr id="5" name="Date Placeholder 4"/>
+          <p:cNvPr id="5" name="Date Placeholder 3"/>
           <p:cNvSpPr>
             <a:spLocks noGrp="1"/>
           </p:cNvSpPr>
@@ -2347,11 +3435,21 @@
         <p:spPr/>
         <p:txBody>
           <a:bodyPr/>
-          <a:lstStyle/>
-          <a:p>
-            <a:fld id="{7587DBAB-E929-9049-A580-9A4DDEA30D67}" type="datetimeFigureOut">
-              <a:rPr lang="en-US" smtClean="0"/>
-              <a:t>12/1/17</a:t>
+          <a:lstStyle>
+            <a:lvl1pPr>
+              <a:defRPr/>
+            </a:lvl1pPr>
+          </a:lstStyle>
+          <a:p>
+            <a:pPr>
+              <a:defRPr/>
+            </a:pPr>
+            <a:fld id="{C758886B-B297-4B31-8FCD-433D9B489611}" type="datetimeFigureOut">
+              <a:rPr lang="en-US"/>
+              <a:pPr>
+                <a:defRPr/>
+              </a:pPr>
+              <a:t>12/3/17</a:t>
             </a:fld>
             <a:endParaRPr lang="en-US"/>
           </a:p>
@@ -2359,7 +3457,7 @@
       </p:sp>
       <p:sp>
         <p:nvSpPr>
-          <p:cNvPr id="6" name="Footer Placeholder 5"/>
+          <p:cNvPr id="6" name="Footer Placeholder 4"/>
           <p:cNvSpPr>
             <a:spLocks noGrp="1"/>
           </p:cNvSpPr>
@@ -2370,15 +3468,22 @@
         <p:spPr/>
         <p:txBody>
           <a:bodyPr/>
-          <a:lstStyle/>
-          <a:p>
+          <a:lstStyle>
+            <a:lvl1pPr>
+              <a:defRPr/>
+            </a:lvl1pPr>
+          </a:lstStyle>
+          <a:p>
+            <a:pPr>
+              <a:defRPr/>
+            </a:pPr>
             <a:endParaRPr lang="en-US"/>
           </a:p>
         </p:txBody>
       </p:sp>
       <p:sp>
         <p:nvSpPr>
-          <p:cNvPr id="7" name="Slide Number Placeholder 6"/>
+          <p:cNvPr id="7" name="Slide Number Placeholder 5"/>
           <p:cNvSpPr>
             <a:spLocks noGrp="1"/>
           </p:cNvSpPr>
@@ -2389,20 +3494,25 @@
         <p:spPr/>
         <p:txBody>
           <a:bodyPr/>
-          <a:lstStyle/>
-          <a:p>
-            <a:fld id="{E3FACEEE-1D40-0E47-B400-E061ADD41AB0}" type="slidenum">
-              <a:rPr lang="en-US" smtClean="0"/>
+          <a:lstStyle>
+            <a:lvl1pPr>
+              <a:defRPr/>
+            </a:lvl1pPr>
+          </a:lstStyle>
+          <a:p>
+            <a:fld id="{14CBCEC4-D9D8-4CEE-99EB-D5965F6437E8}" type="slidenum">
+              <a:rPr lang="en-US" altLang="en-US"/>
+              <a:pPr/>
               <a:t>‹#›</a:t>
             </a:fld>
-            <a:endParaRPr lang="en-US"/>
+            <a:endParaRPr lang="en-US" altLang="en-US"/>
           </a:p>
         </p:txBody>
       </p:sp>
     </p:spTree>
     <p:extLst>
       <p:ext uri="{BB962C8B-B14F-4D97-AF65-F5344CB8AC3E}">
-        <p14:creationId xmlns:p14="http://schemas.microsoft.com/office/powerpoint/2010/main" val="936272267"/>
+        <p14:creationId xmlns:p14="http://schemas.microsoft.com/office/powerpoint/2010/main" val="2774652351"/>
       </p:ext>
     </p:extLst>
   </p:cSld>
@@ -2466,7 +3576,7 @@
       </p:grpSpPr>
       <p:sp>
         <p:nvSpPr>
-          <p:cNvPr id="2" name="Title Placeholder 1"/>
+          <p:cNvPr id="1026" name="Title Placeholder 1"/>
           <p:cNvSpPr>
             <a:spLocks noGrp="1"/>
           </p:cNvSpPr>
@@ -2474,7 +3584,7 @@
             <p:ph type="title"/>
           </p:nvPr>
         </p:nvSpPr>
-        <p:spPr>
+        <p:spPr bwMode="auto">
           <a:xfrm>
             <a:off x="838200" y="365125"/>
             <a:ext cx="10515600" cy="1325563"/>
@@ -2482,24 +3592,49 @@
           <a:prstGeom prst="rect">
             <a:avLst/>
           </a:prstGeom>
+          <a:noFill/>
+          <a:ln>
+            <a:noFill/>
+          </a:ln>
+          <a:extLst>
+            <a:ext uri="{909E8E84-426E-40DD-AFC4-6F175D3DCCD1}">
+              <a14:hiddenFill xmlns:a14="http://schemas.microsoft.com/office/drawing/2010/main">
+                <a:solidFill>
+                  <a:srgbClr val="FFFFFF"/>
+                </a:solidFill>
+              </a14:hiddenFill>
+            </a:ext>
+            <a:ext uri="{91240B29-F687-4F45-9708-019B960494DF}">
+              <a14:hiddenLine xmlns:a14="http://schemas.microsoft.com/office/drawing/2010/main" w="9525">
+                <a:solidFill>
+                  <a:srgbClr val="000000"/>
+                </a:solidFill>
+                <a:miter lim="800000"/>
+                <a:headEnd/>
+                <a:tailEnd/>
+              </a14:hiddenLine>
+            </a:ext>
+          </a:extLst>
         </p:spPr>
         <p:txBody>
-          <a:bodyPr vert="horz" lIns="91440" tIns="45720" rIns="91440" bIns="45720" rtlCol="0" anchor="ctr">
-            <a:normAutofit/>
+          <a:bodyPr vert="horz" wrap="square" lIns="91440" tIns="45720" rIns="91440" bIns="45720" numCol="1" anchor="ctr" anchorCtr="0" compatLnSpc="1">
+            <a:prstTxWarp prst="textNoShape">
+              <a:avLst/>
+            </a:prstTxWarp>
           </a:bodyPr>
           <a:lstStyle/>
           <a:p>
-            <a:r>
-              <a:rPr lang="en-US" smtClean="0"/>
+            <a:pPr lvl="0"/>
+            <a:r>
+              <a:rPr lang="en-US" altLang="en-US"/>
               <a:t>Click to edit Master title style</a:t>
             </a:r>
-            <a:endParaRPr lang="en-US"/>
-          </a:p>
-        </p:txBody>
-      </p:sp>
-      <p:sp>
-        <p:nvSpPr>
-          <p:cNvPr id="3" name="Text Placeholder 2"/>
+          </a:p>
+        </p:txBody>
+      </p:sp>
+      <p:sp>
+        <p:nvSpPr>
+          <p:cNvPr id="1027" name="Text Placeholder 2"/>
           <p:cNvSpPr>
             <a:spLocks noGrp="1"/>
           </p:cNvSpPr>
@@ -2507,7 +3642,7 @@
             <p:ph type="body" idx="1"/>
           </p:nvPr>
         </p:nvSpPr>
-        <p:spPr>
+        <p:spPr bwMode="auto">
           <a:xfrm>
             <a:off x="838200" y="1825625"/>
             <a:ext cx="10515600" cy="4351338"/>
@@ -2515,47 +3650,71 @@
           <a:prstGeom prst="rect">
             <a:avLst/>
           </a:prstGeom>
+          <a:noFill/>
+          <a:ln>
+            <a:noFill/>
+          </a:ln>
+          <a:extLst>
+            <a:ext uri="{909E8E84-426E-40DD-AFC4-6F175D3DCCD1}">
+              <a14:hiddenFill xmlns:a14="http://schemas.microsoft.com/office/drawing/2010/main">
+                <a:solidFill>
+                  <a:srgbClr val="FFFFFF"/>
+                </a:solidFill>
+              </a14:hiddenFill>
+            </a:ext>
+            <a:ext uri="{91240B29-F687-4F45-9708-019B960494DF}">
+              <a14:hiddenLine xmlns:a14="http://schemas.microsoft.com/office/drawing/2010/main" w="9525">
+                <a:solidFill>
+                  <a:srgbClr val="000000"/>
+                </a:solidFill>
+                <a:miter lim="800000"/>
+                <a:headEnd/>
+                <a:tailEnd/>
+              </a14:hiddenLine>
+            </a:ext>
+          </a:extLst>
         </p:spPr>
         <p:txBody>
-          <a:bodyPr vert="horz" lIns="91440" tIns="45720" rIns="91440" bIns="45720" rtlCol="0">
-            <a:normAutofit/>
+          <a:bodyPr vert="horz" wrap="square" lIns="91440" tIns="45720" rIns="91440" bIns="45720" numCol="1" anchor="t" anchorCtr="0" compatLnSpc="1">
+            <a:prstTxWarp prst="textNoShape">
+              <a:avLst/>
+            </a:prstTxWarp>
           </a:bodyPr>
           <a:lstStyle/>
           <a:p>
             <a:pPr lvl="0"/>
             <a:r>
-              <a:rPr lang="en-US" smtClean="0"/>
+              <a:rPr lang="en-US" altLang="en-US"/>
               <a:t>Click to edit Master text styles</a:t>
             </a:r>
           </a:p>
           <a:p>
             <a:pPr lvl="1"/>
             <a:r>
-              <a:rPr lang="en-US" smtClean="0"/>
+              <a:rPr lang="en-US" altLang="en-US"/>
               <a:t>Second level</a:t>
             </a:r>
           </a:p>
           <a:p>
             <a:pPr lvl="2"/>
             <a:r>
-              <a:rPr lang="en-US" smtClean="0"/>
+              <a:rPr lang="en-US" altLang="en-US"/>
               <a:t>Third level</a:t>
             </a:r>
           </a:p>
           <a:p>
             <a:pPr lvl="3"/>
             <a:r>
-              <a:rPr lang="en-US" smtClean="0"/>
+              <a:rPr lang="en-US" altLang="en-US"/>
               <a:t>Fourth level</a:t>
             </a:r>
           </a:p>
           <a:p>
             <a:pPr lvl="4"/>
             <a:r>
-              <a:rPr lang="en-US" smtClean="0"/>
+              <a:rPr lang="en-US" altLang="en-US"/>
               <a:t>Fifth level</a:t>
             </a:r>
-            <a:endParaRPr lang="en-US"/>
           </a:p>
         </p:txBody>
       </p:sp>
@@ -2581,20 +3740,34 @@
         <p:txBody>
           <a:bodyPr vert="horz" lIns="91440" tIns="45720" rIns="91440" bIns="45720" rtlCol="0" anchor="ctr"/>
           <a:lstStyle>
-            <a:lvl1pPr algn="l">
-              <a:defRPr sz="1200">
+            <a:lvl1pPr algn="l" fontAlgn="auto">
+              <a:spcBef>
+                <a:spcPts val="0"/>
+              </a:spcBef>
+              <a:spcAft>
+                <a:spcPts val="0"/>
+              </a:spcAft>
+              <a:defRPr sz="1200" smtClean="0">
                 <a:solidFill>
                   <a:schemeClr val="tx1">
                     <a:tint val="75000"/>
                   </a:schemeClr>
                 </a:solidFill>
+                <a:latin typeface="+mn-lt"/>
+                <a:cs typeface="+mn-cs"/>
               </a:defRPr>
             </a:lvl1pPr>
           </a:lstStyle>
           <a:p>
-            <a:fld id="{7587DBAB-E929-9049-A580-9A4DDEA30D67}" type="datetimeFigureOut">
-              <a:rPr lang="en-US" smtClean="0"/>
-              <a:t>12/1/17</a:t>
+            <a:pPr>
+              <a:defRPr/>
+            </a:pPr>
+            <a:fld id="{872B57CA-F096-453A-9232-D79E27B9EC24}" type="datetimeFigureOut">
+              <a:rPr lang="en-US"/>
+              <a:pPr>
+                <a:defRPr/>
+              </a:pPr>
+              <a:t>12/3/17</a:t>
             </a:fld>
             <a:endParaRPr lang="en-US"/>
           </a:p>
@@ -2622,17 +3795,28 @@
         <p:txBody>
           <a:bodyPr vert="horz" lIns="91440" tIns="45720" rIns="91440" bIns="45720" rtlCol="0" anchor="ctr"/>
           <a:lstStyle>
-            <a:lvl1pPr algn="ctr">
+            <a:lvl1pPr algn="ctr" fontAlgn="auto">
+              <a:spcBef>
+                <a:spcPts val="0"/>
+              </a:spcBef>
+              <a:spcAft>
+                <a:spcPts val="0"/>
+              </a:spcAft>
               <a:defRPr sz="1200">
                 <a:solidFill>
                   <a:schemeClr val="tx1">
                     <a:tint val="75000"/>
                   </a:schemeClr>
                 </a:solidFill>
+                <a:latin typeface="+mn-lt"/>
+                <a:cs typeface="+mn-cs"/>
               </a:defRPr>
             </a:lvl1pPr>
           </a:lstStyle>
           <a:p>
+            <a:pPr>
+              <a:defRPr/>
+            </a:pPr>
             <a:endParaRPr lang="en-US"/>
           </a:p>
         </p:txBody>
@@ -2657,33 +3841,32 @@
           </a:prstGeom>
         </p:spPr>
         <p:txBody>
-          <a:bodyPr vert="horz" lIns="91440" tIns="45720" rIns="91440" bIns="45720" rtlCol="0" anchor="ctr"/>
+          <a:bodyPr vert="horz" wrap="square" lIns="91440" tIns="45720" rIns="91440" bIns="45720" numCol="1" anchor="ctr" anchorCtr="0" compatLnSpc="1">
+            <a:prstTxWarp prst="textNoShape">
+              <a:avLst/>
+            </a:prstTxWarp>
+          </a:bodyPr>
           <a:lstStyle>
             <a:lvl1pPr algn="r">
               <a:defRPr sz="1200">
                 <a:solidFill>
-                  <a:schemeClr val="tx1">
-                    <a:tint val="75000"/>
-                  </a:schemeClr>
+                  <a:srgbClr val="898989"/>
                 </a:solidFill>
+                <a:latin typeface="Calibri" panose="020F0502020204030204" pitchFamily="34" charset="0"/>
               </a:defRPr>
             </a:lvl1pPr>
           </a:lstStyle>
           <a:p>
-            <a:fld id="{E3FACEEE-1D40-0E47-B400-E061ADD41AB0}" type="slidenum">
-              <a:rPr lang="en-US" smtClean="0"/>
+            <a:fld id="{B28F8D1C-FDD3-494E-8136-BD0575CAB0EA}" type="slidenum">
+              <a:rPr lang="en-US" altLang="en-US"/>
+              <a:pPr/>
               <a:t>‹#›</a:t>
             </a:fld>
-            <a:endParaRPr lang="en-US"/>
+            <a:endParaRPr lang="en-US" altLang="en-US"/>
           </a:p>
         </p:txBody>
       </p:sp>
     </p:spTree>
-    <p:extLst>
-      <p:ext uri="{BB962C8B-B14F-4D97-AF65-F5344CB8AC3E}">
-        <p14:creationId xmlns:p14="http://schemas.microsoft.com/office/powerpoint/2010/main" val="201401449"/>
-      </p:ext>
-    </p:extLst>
   </p:cSld>
   <p:clrMap bg1="lt1" tx1="dk1" bg2="lt2" tx2="dk2" accent1="accent1" accent2="accent2" accent3="accent3" accent4="accent4" accent5="accent5" accent6="accent6" hlink="hlink" folHlink="folHlink"/>
   <p:sldLayoutIdLst>
@@ -2701,14 +3884,16 @@
   </p:sldLayoutIdLst>
   <p:txStyles>
     <p:titleStyle>
-      <a:lvl1pPr algn="l" defTabSz="914400" rtl="0" eaLnBrk="1" latinLnBrk="0" hangingPunct="1">
+      <a:lvl1pPr algn="l" rtl="0" fontAlgn="base">
         <a:lnSpc>
           <a:spcPct val="90000"/>
         </a:lnSpc>
         <a:spcBef>
           <a:spcPct val="0"/>
         </a:spcBef>
-        <a:buNone/>
+        <a:spcAft>
+          <a:spcPct val="0"/>
+        </a:spcAft>
         <a:defRPr sz="4400" kern="1200">
           <a:solidFill>
             <a:schemeClr val="tx1"/>
@@ -2718,16 +3903,155 @@
           <a:cs typeface="+mj-cs"/>
         </a:defRPr>
       </a:lvl1pPr>
+      <a:lvl2pPr algn="l" rtl="0" fontAlgn="base">
+        <a:lnSpc>
+          <a:spcPct val="90000"/>
+        </a:lnSpc>
+        <a:spcBef>
+          <a:spcPct val="0"/>
+        </a:spcBef>
+        <a:spcAft>
+          <a:spcPct val="0"/>
+        </a:spcAft>
+        <a:defRPr sz="4400">
+          <a:solidFill>
+            <a:schemeClr val="tx1"/>
+          </a:solidFill>
+          <a:latin typeface="Calibri Light" panose="020F0302020204030204" pitchFamily="34" charset="0"/>
+        </a:defRPr>
+      </a:lvl2pPr>
+      <a:lvl3pPr algn="l" rtl="0" fontAlgn="base">
+        <a:lnSpc>
+          <a:spcPct val="90000"/>
+        </a:lnSpc>
+        <a:spcBef>
+          <a:spcPct val="0"/>
+        </a:spcBef>
+        <a:spcAft>
+          <a:spcPct val="0"/>
+        </a:spcAft>
+        <a:defRPr sz="4400">
+          <a:solidFill>
+            <a:schemeClr val="tx1"/>
+          </a:solidFill>
+          <a:latin typeface="Calibri Light" panose="020F0302020204030204" pitchFamily="34" charset="0"/>
+        </a:defRPr>
+      </a:lvl3pPr>
+      <a:lvl4pPr algn="l" rtl="0" fontAlgn="base">
+        <a:lnSpc>
+          <a:spcPct val="90000"/>
+        </a:lnSpc>
+        <a:spcBef>
+          <a:spcPct val="0"/>
+        </a:spcBef>
+        <a:spcAft>
+          <a:spcPct val="0"/>
+        </a:spcAft>
+        <a:defRPr sz="4400">
+          <a:solidFill>
+            <a:schemeClr val="tx1"/>
+          </a:solidFill>
+          <a:latin typeface="Calibri Light" panose="020F0302020204030204" pitchFamily="34" charset="0"/>
+        </a:defRPr>
+      </a:lvl4pPr>
+      <a:lvl5pPr algn="l" rtl="0" fontAlgn="base">
+        <a:lnSpc>
+          <a:spcPct val="90000"/>
+        </a:lnSpc>
+        <a:spcBef>
+          <a:spcPct val="0"/>
+        </a:spcBef>
+        <a:spcAft>
+          <a:spcPct val="0"/>
+        </a:spcAft>
+        <a:defRPr sz="4400">
+          <a:solidFill>
+            <a:schemeClr val="tx1"/>
+          </a:solidFill>
+          <a:latin typeface="Calibri Light" panose="020F0302020204030204" pitchFamily="34" charset="0"/>
+        </a:defRPr>
+      </a:lvl5pPr>
+      <a:lvl6pPr marL="457200" algn="l" rtl="0" fontAlgn="base">
+        <a:lnSpc>
+          <a:spcPct val="90000"/>
+        </a:lnSpc>
+        <a:spcBef>
+          <a:spcPct val="0"/>
+        </a:spcBef>
+        <a:spcAft>
+          <a:spcPct val="0"/>
+        </a:spcAft>
+        <a:defRPr sz="4400">
+          <a:solidFill>
+            <a:schemeClr val="tx1"/>
+          </a:solidFill>
+          <a:latin typeface="Calibri Light" panose="020F0302020204030204" pitchFamily="34" charset="0"/>
+        </a:defRPr>
+      </a:lvl6pPr>
+      <a:lvl7pPr marL="914400" algn="l" rtl="0" fontAlgn="base">
+        <a:lnSpc>
+          <a:spcPct val="90000"/>
+        </a:lnSpc>
+        <a:spcBef>
+          <a:spcPct val="0"/>
+        </a:spcBef>
+        <a:spcAft>
+          <a:spcPct val="0"/>
+        </a:spcAft>
+        <a:defRPr sz="4400">
+          <a:solidFill>
+            <a:schemeClr val="tx1"/>
+          </a:solidFill>
+          <a:latin typeface="Calibri Light" panose="020F0302020204030204" pitchFamily="34" charset="0"/>
+        </a:defRPr>
+      </a:lvl7pPr>
+      <a:lvl8pPr marL="1371600" algn="l" rtl="0" fontAlgn="base">
+        <a:lnSpc>
+          <a:spcPct val="90000"/>
+        </a:lnSpc>
+        <a:spcBef>
+          <a:spcPct val="0"/>
+        </a:spcBef>
+        <a:spcAft>
+          <a:spcPct val="0"/>
+        </a:spcAft>
+        <a:defRPr sz="4400">
+          <a:solidFill>
+            <a:schemeClr val="tx1"/>
+          </a:solidFill>
+          <a:latin typeface="Calibri Light" panose="020F0302020204030204" pitchFamily="34" charset="0"/>
+        </a:defRPr>
+      </a:lvl8pPr>
+      <a:lvl9pPr marL="1828800" algn="l" rtl="0" fontAlgn="base">
+        <a:lnSpc>
+          <a:spcPct val="90000"/>
+        </a:lnSpc>
+        <a:spcBef>
+          <a:spcPct val="0"/>
+        </a:spcBef>
+        <a:spcAft>
+          <a:spcPct val="0"/>
+        </a:spcAft>
+        <a:defRPr sz="4400">
+          <a:solidFill>
+            <a:schemeClr val="tx1"/>
+          </a:solidFill>
+          <a:latin typeface="Calibri Light" panose="020F0302020204030204" pitchFamily="34" charset="0"/>
+        </a:defRPr>
+      </a:lvl9pPr>
     </p:titleStyle>
     <p:bodyStyle>
-      <a:lvl1pPr marL="228600" indent="-228600" algn="l" defTabSz="914400" rtl="0" eaLnBrk="1" latinLnBrk="0" hangingPunct="1">
+      <a:lvl1pPr marL="228600" indent="-228600" algn="l" rtl="0" fontAlgn="base">
         <a:lnSpc>
           <a:spcPct val="90000"/>
         </a:lnSpc>
         <a:spcBef>
           <a:spcPts val="1000"/>
         </a:spcBef>
-        <a:buFont typeface="Arial"/>
+        <a:spcAft>
+          <a:spcPct val="0"/>
+        </a:spcAft>
+        <a:buFont typeface="Arial" panose="020B0604020202020204" pitchFamily="34" charset="0"/>
         <a:buChar char="•"/>
         <a:defRPr sz="2800" kern="1200">
           <a:solidFill>
@@ -2738,14 +4062,17 @@
           <a:cs typeface="+mn-cs"/>
         </a:defRPr>
       </a:lvl1pPr>
-      <a:lvl2pPr marL="685800" indent="-228600" algn="l" defTabSz="914400" rtl="0" eaLnBrk="1" latinLnBrk="0" hangingPunct="1">
+      <a:lvl2pPr marL="685800" indent="-228600" algn="l" rtl="0" fontAlgn="base">
         <a:lnSpc>
           <a:spcPct val="90000"/>
         </a:lnSpc>
         <a:spcBef>
           <a:spcPts val="500"/>
         </a:spcBef>
-        <a:buFont typeface="Arial"/>
+        <a:spcAft>
+          <a:spcPct val="0"/>
+        </a:spcAft>
+        <a:buFont typeface="Arial" panose="020B0604020202020204" pitchFamily="34" charset="0"/>
         <a:buChar char="•"/>
         <a:defRPr sz="2400" kern="1200">
           <a:solidFill>
@@ -2756,14 +4083,17 @@
           <a:cs typeface="+mn-cs"/>
         </a:defRPr>
       </a:lvl2pPr>
-      <a:lvl3pPr marL="1143000" indent="-228600" algn="l" defTabSz="914400" rtl="0" eaLnBrk="1" latinLnBrk="0" hangingPunct="1">
+      <a:lvl3pPr marL="1143000" indent="-228600" algn="l" rtl="0" fontAlgn="base">
         <a:lnSpc>
           <a:spcPct val="90000"/>
         </a:lnSpc>
         <a:spcBef>
           <a:spcPts val="500"/>
         </a:spcBef>
-        <a:buFont typeface="Arial"/>
+        <a:spcAft>
+          <a:spcPct val="0"/>
+        </a:spcAft>
+        <a:buFont typeface="Arial" panose="020B0604020202020204" pitchFamily="34" charset="0"/>
         <a:buChar char="•"/>
         <a:defRPr sz="2000" kern="1200">
           <a:solidFill>
@@ -2774,16 +4104,19 @@
           <a:cs typeface="+mn-cs"/>
         </a:defRPr>
       </a:lvl3pPr>
-      <a:lvl4pPr marL="1600200" indent="-228600" algn="l" defTabSz="914400" rtl="0" eaLnBrk="1" latinLnBrk="0" hangingPunct="1">
+      <a:lvl4pPr marL="1600200" indent="-228600" algn="l" rtl="0" fontAlgn="base">
         <a:lnSpc>
           <a:spcPct val="90000"/>
         </a:lnSpc>
         <a:spcBef>
           <a:spcPts val="500"/>
         </a:spcBef>
-        <a:buFont typeface="Arial"/>
+        <a:spcAft>
+          <a:spcPct val="0"/>
+        </a:spcAft>
+        <a:buFont typeface="Arial" panose="020B0604020202020204" pitchFamily="34" charset="0"/>
         <a:buChar char="•"/>
-        <a:defRPr sz="1800" kern="1200">
+        <a:defRPr kern="1200">
           <a:solidFill>
             <a:schemeClr val="tx1"/>
           </a:solidFill>
@@ -2792,16 +4125,19 @@
           <a:cs typeface="+mn-cs"/>
         </a:defRPr>
       </a:lvl4pPr>
-      <a:lvl5pPr marL="2057400" indent="-228600" algn="l" defTabSz="914400" rtl="0" eaLnBrk="1" latinLnBrk="0" hangingPunct="1">
+      <a:lvl5pPr marL="2057400" indent="-228600" algn="l" rtl="0" fontAlgn="base">
         <a:lnSpc>
           <a:spcPct val="90000"/>
         </a:lnSpc>
         <a:spcBef>
           <a:spcPts val="500"/>
         </a:spcBef>
-        <a:buFont typeface="Arial"/>
+        <a:spcAft>
+          <a:spcPct val="0"/>
+        </a:spcAft>
+        <a:buFont typeface="Arial" panose="020B0604020202020204" pitchFamily="34" charset="0"/>
         <a:buChar char="•"/>
-        <a:defRPr sz="1800" kern="1200">
+        <a:defRPr kern="1200">
           <a:solidFill>
             <a:schemeClr val="tx1"/>
           </a:solidFill>
@@ -3001,7 +4337,7 @@
       </p:grpSpPr>
       <p:sp>
         <p:nvSpPr>
-          <p:cNvPr id="2" name="Title 1"/>
+          <p:cNvPr id="13313" name="Title 1"/>
           <p:cNvSpPr>
             <a:spLocks noGrp="1"/>
           </p:cNvSpPr>
@@ -3015,16 +4351,15 @@
           <a:lstStyle/>
           <a:p>
             <a:r>
-              <a:rPr lang="en-US" dirty="0" err="1" smtClean="0"/>
+              <a:rPr lang="en-US" altLang="en-US"/>
               <a:t>Cookpy</a:t>
             </a:r>
-            <a:endParaRPr lang="en-US" dirty="0"/>
-          </a:p>
-        </p:txBody>
-      </p:sp>
-      <p:sp>
-        <p:nvSpPr>
-          <p:cNvPr id="3" name="Subtitle 2"/>
+          </a:p>
+        </p:txBody>
+      </p:sp>
+      <p:sp>
+        <p:nvSpPr>
+          <p:cNvPr id="13314" name="Subtitle 2"/>
           <p:cNvSpPr>
             <a:spLocks noGrp="1"/>
           </p:cNvSpPr>
@@ -3038,30 +4373,25 @@
           <a:lstStyle/>
           <a:p>
             <a:r>
-              <a:rPr lang="en-US" dirty="0" smtClean="0"/>
+              <a:rPr lang="en-US" altLang="en-US"/>
               <a:t>Mark Bernhardt</a:t>
             </a:r>
           </a:p>
           <a:p>
             <a:r>
-              <a:rPr lang="en-US" dirty="0" smtClean="0"/>
+              <a:rPr lang="en-US" altLang="en-US"/>
               <a:t>Andrew Thomson</a:t>
             </a:r>
           </a:p>
           <a:p>
             <a:r>
-              <a:rPr lang="en-US" dirty="0" smtClean="0"/>
+              <a:rPr lang="en-US" altLang="en-US"/>
               <a:t>Jacob Beneski</a:t>
             </a:r>
           </a:p>
         </p:txBody>
       </p:sp>
     </p:spTree>
-    <p:extLst>
-      <p:ext uri="{BB962C8B-B14F-4D97-AF65-F5344CB8AC3E}">
-        <p14:creationId xmlns:p14="http://schemas.microsoft.com/office/powerpoint/2010/main" val="2080501862"/>
-      </p:ext>
-    </p:extLst>
   </p:cSld>
   <p:clrMapOvr>
     <a:masterClrMapping/>
@@ -3088,7 +4418,7 @@
       </p:grpSpPr>
       <p:sp>
         <p:nvSpPr>
-          <p:cNvPr id="2" name="Title 1"/>
+          <p:cNvPr id="14337" name="Title 1"/>
           <p:cNvSpPr>
             <a:spLocks noGrp="1"/>
           </p:cNvSpPr>
@@ -3102,16 +4432,15 @@
           <a:lstStyle/>
           <a:p>
             <a:r>
-              <a:rPr lang="en-US" dirty="0" smtClean="0"/>
+              <a:rPr lang="en-US" altLang="en-US"/>
               <a:t>Theme and Design Process	</a:t>
             </a:r>
-            <a:endParaRPr lang="en-US" dirty="0"/>
-          </a:p>
-        </p:txBody>
-      </p:sp>
-      <p:sp>
-        <p:nvSpPr>
-          <p:cNvPr id="3" name="Content Placeholder 2"/>
+          </a:p>
+        </p:txBody>
+      </p:sp>
+      <p:sp>
+        <p:nvSpPr>
+          <p:cNvPr id="14338" name="Content Placeholder 2"/>
           <p:cNvSpPr>
             <a:spLocks noGrp="1"/>
           </p:cNvSpPr>
@@ -3125,30 +4454,55 @@
           <a:lstStyle/>
           <a:p>
             <a:r>
-              <a:rPr lang="en-US" dirty="0" smtClean="0"/>
+              <a:rPr lang="en-US" altLang="en-US" dirty="0"/>
               <a:t>Our base language is Python</a:t>
             </a:r>
           </a:p>
           <a:p>
             <a:r>
-              <a:rPr lang="en-US" dirty="0" smtClean="0"/>
+              <a:rPr lang="en-US" altLang="en-US" dirty="0"/>
               <a:t>Loosely cooking themed</a:t>
             </a:r>
           </a:p>
           <a:p>
             <a:r>
-              <a:rPr lang="en-US" dirty="0" smtClean="0"/>
+              <a:rPr lang="en-US" altLang="en-US" dirty="0"/>
               <a:t>Stack based language with strong ties to math functions</a:t>
             </a:r>
           </a:p>
         </p:txBody>
       </p:sp>
+      <p:pic>
+        <p:nvPicPr>
+          <p:cNvPr id="3" name="Picture 2"/>
+          <p:cNvPicPr>
+            <a:picLocks noChangeAspect="1"/>
+          </p:cNvPicPr>
+          <p:nvPr/>
+        </p:nvPicPr>
+        <p:blipFill>
+          <a:blip r:embed="rId3">
+            <a:extLst>
+              <a:ext uri="{28A0092B-C50C-407E-A947-70E740481C1C}">
+                <a14:useLocalDpi xmlns:a14="http://schemas.microsoft.com/office/drawing/2010/main" val="0"/>
+              </a:ext>
+            </a:extLst>
+          </a:blip>
+          <a:stretch>
+            <a:fillRect/>
+          </a:stretch>
+        </p:blipFill>
+        <p:spPr>
+          <a:xfrm>
+            <a:off x="4616450" y="3433762"/>
+            <a:ext cx="2959100" cy="3099657"/>
+          </a:xfrm>
+          <a:prstGeom prst="rect">
+            <a:avLst/>
+          </a:prstGeom>
+        </p:spPr>
+      </p:pic>
     </p:spTree>
-    <p:extLst>
-      <p:ext uri="{BB962C8B-B14F-4D97-AF65-F5344CB8AC3E}">
-        <p14:creationId xmlns:p14="http://schemas.microsoft.com/office/powerpoint/2010/main" val="224373101"/>
-      </p:ext>
-    </p:extLst>
   </p:cSld>
   <p:clrMapOvr>
     <a:masterClrMapping/>
@@ -3175,7 +4529,7 @@
       </p:grpSpPr>
       <p:sp>
         <p:nvSpPr>
-          <p:cNvPr id="2" name="Title 1"/>
+          <p:cNvPr id="15361" name="Title 1"/>
           <p:cNvSpPr>
             <a:spLocks noGrp="1"/>
           </p:cNvSpPr>
@@ -3189,16 +4543,15 @@
           <a:lstStyle/>
           <a:p>
             <a:r>
-              <a:rPr lang="en-US" dirty="0" smtClean="0"/>
+              <a:rPr lang="en-US" altLang="en-US"/>
               <a:t>Overview of Features</a:t>
             </a:r>
-            <a:endParaRPr lang="en-US" dirty="0"/>
-          </a:p>
-        </p:txBody>
-      </p:sp>
-      <p:sp>
-        <p:nvSpPr>
-          <p:cNvPr id="3" name="Content Placeholder 2"/>
+          </a:p>
+        </p:txBody>
+      </p:sp>
+      <p:sp>
+        <p:nvSpPr>
+          <p:cNvPr id="15362" name="Content Placeholder 2"/>
           <p:cNvSpPr>
             <a:spLocks noGrp="1"/>
           </p:cNvSpPr>
@@ -3212,36 +4565,67 @@
           <a:lstStyle/>
           <a:p>
             <a:r>
-              <a:rPr lang="en-US" dirty="0" smtClean="0"/>
-              <a:t>All basic math functions</a:t>
-            </a:r>
-          </a:p>
-          <a:p>
-            <a:r>
-              <a:rPr lang="en-US" dirty="0" smtClean="0"/>
-              <a:t>Variables</a:t>
-            </a:r>
-          </a:p>
-          <a:p>
-            <a:r>
-              <a:rPr lang="en-US" dirty="0" smtClean="0"/>
+              <a:rPr lang="en-US" altLang="en-US" dirty="0"/>
+              <a:t>All basic math </a:t>
+            </a:r>
+            <a:r>
+              <a:rPr lang="en-US" altLang="en-US" dirty="0" smtClean="0"/>
+              <a:t>functions (+,-,/,*)</a:t>
+            </a:r>
+            <a:endParaRPr lang="en-US" altLang="en-US" dirty="0"/>
+          </a:p>
+          <a:p>
+            <a:r>
+              <a:rPr lang="en-US" altLang="en-US" dirty="0" smtClean="0"/>
+              <a:t>Global Variables</a:t>
+            </a:r>
+            <a:endParaRPr lang="en-US" altLang="en-US" dirty="0"/>
+          </a:p>
+          <a:p>
+            <a:r>
+              <a:rPr lang="en-US" altLang="en-US" dirty="0"/>
               <a:t>Input and Output</a:t>
             </a:r>
           </a:p>
           <a:p>
             <a:r>
-              <a:rPr lang="en-US" dirty="0" smtClean="0"/>
+              <a:rPr lang="en-US" altLang="en-US" dirty="0" smtClean="0"/>
               <a:t>Comments</a:t>
             </a:r>
           </a:p>
         </p:txBody>
       </p:sp>
+      <p:pic>
+        <p:nvPicPr>
+          <p:cNvPr id="2" name="Picture 2">
+            <a:extLst>
+              <a:ext uri="{FF2B5EF4-FFF2-40B4-BE49-F238E27FC236}">
+                <a16:creationId xmlns:a16="http://schemas.microsoft.com/office/drawing/2014/main" xmlns="" id="{3B010912-C7FF-41D8-8AAB-4AEE892112FF}"/>
+              </a:ext>
+            </a:extLst>
+          </p:cNvPr>
+          <p:cNvPicPr>
+            <a:picLocks noChangeAspect="1"/>
+          </p:cNvPicPr>
+          <p:nvPr/>
+        </p:nvPicPr>
+        <p:blipFill>
+          <a:blip r:embed="rId3"/>
+          <a:stretch>
+            <a:fillRect/>
+          </a:stretch>
+        </p:blipFill>
+        <p:spPr>
+          <a:xfrm>
+            <a:off x="6591300" y="1023938"/>
+            <a:ext cx="4762500" cy="5153025"/>
+          </a:xfrm>
+          <a:prstGeom prst="rect">
+            <a:avLst/>
+          </a:prstGeom>
+        </p:spPr>
+      </p:pic>
     </p:spTree>
-    <p:extLst>
-      <p:ext uri="{BB962C8B-B14F-4D97-AF65-F5344CB8AC3E}">
-        <p14:creationId xmlns:p14="http://schemas.microsoft.com/office/powerpoint/2010/main" val="57424375"/>
-      </p:ext>
-    </p:extLst>
   </p:cSld>
   <p:clrMapOvr>
     <a:masterClrMapping/>
@@ -3268,7 +4652,7 @@
       </p:grpSpPr>
       <p:sp>
         <p:nvSpPr>
-          <p:cNvPr id="2" name="Title 1"/>
+          <p:cNvPr id="16385" name="Title 1"/>
           <p:cNvSpPr>
             <a:spLocks noGrp="1"/>
           </p:cNvSpPr>
@@ -3282,16 +4666,15 @@
           <a:lstStyle/>
           <a:p>
             <a:r>
-              <a:rPr lang="en-US" dirty="0" smtClean="0"/>
+              <a:rPr lang="en-US" altLang="en-US"/>
               <a:t>Limitations</a:t>
             </a:r>
-            <a:endParaRPr lang="en-US" dirty="0"/>
-          </a:p>
-        </p:txBody>
-      </p:sp>
-      <p:sp>
-        <p:nvSpPr>
-          <p:cNvPr id="3" name="Content Placeholder 2"/>
+          </a:p>
+        </p:txBody>
+      </p:sp>
+      <p:sp>
+        <p:nvSpPr>
+          <p:cNvPr id="16386" name="Content Placeholder 2"/>
           <p:cNvSpPr>
             <a:spLocks noGrp="1"/>
           </p:cNvSpPr>
@@ -3305,33 +4688,85 @@
           <a:lstStyle/>
           <a:p>
             <a:r>
-              <a:rPr lang="en-US" dirty="0" smtClean="0"/>
-              <a:t>No function support</a:t>
-            </a:r>
-          </a:p>
-          <a:p>
-            <a:r>
-              <a:rPr lang="en-US" dirty="0" smtClean="0"/>
-              <a:t>No String support</a:t>
-            </a:r>
-          </a:p>
-          <a:p>
-            <a:r>
-              <a:rPr lang="en-US" dirty="0" smtClean="0"/>
-              <a:t>No loops</a:t>
-            </a:r>
-          </a:p>
-          <a:p>
-            <a:endParaRPr lang="en-US" dirty="0" smtClean="0"/>
-          </a:p>
-        </p:txBody>
-      </p:sp>
+              <a:rPr lang="en-US" altLang="en-US" dirty="0"/>
+              <a:t>No function </a:t>
+            </a:r>
+            <a:r>
+              <a:rPr lang="en-US" altLang="en-US" dirty="0" smtClean="0"/>
+              <a:t>support</a:t>
+            </a:r>
+          </a:p>
+          <a:p>
+            <a:r>
+              <a:rPr lang="en-US" altLang="en-US" dirty="0" smtClean="0"/>
+              <a:t>No flow control</a:t>
+            </a:r>
+            <a:endParaRPr lang="en-US" altLang="en-US" dirty="0"/>
+          </a:p>
+          <a:p>
+            <a:r>
+              <a:rPr lang="en-US" altLang="en-US" dirty="0"/>
+              <a:t>No String </a:t>
+            </a:r>
+            <a:r>
+              <a:rPr lang="en-US" altLang="en-US" dirty="0" smtClean="0"/>
+              <a:t>support </a:t>
+            </a:r>
+            <a:endParaRPr lang="en-US" altLang="en-US" dirty="0"/>
+          </a:p>
+          <a:p>
+            <a:r>
+              <a:rPr lang="en-US" altLang="en-US" dirty="0"/>
+              <a:t>No </a:t>
+            </a:r>
+            <a:r>
+              <a:rPr lang="en-US" altLang="en-US" dirty="0" smtClean="0"/>
+              <a:t>loops (for, while, etc.)</a:t>
+            </a:r>
+          </a:p>
+          <a:p>
+            <a:r>
+              <a:rPr lang="en-US" altLang="en-US" dirty="0" smtClean="0"/>
+              <a:t>No built in debugger</a:t>
+            </a:r>
+            <a:endParaRPr lang="en-US" altLang="en-US" dirty="0"/>
+          </a:p>
+          <a:p>
+            <a:endParaRPr lang="en-US" altLang="en-US" dirty="0"/>
+          </a:p>
+        </p:txBody>
+      </p:sp>
+      <p:pic>
+        <p:nvPicPr>
+          <p:cNvPr id="2" name="Picture 2">
+            <a:extLst>
+              <a:ext uri="{FF2B5EF4-FFF2-40B4-BE49-F238E27FC236}">
+                <a16:creationId xmlns:a16="http://schemas.microsoft.com/office/drawing/2014/main" xmlns="" id="{4FDBEBB1-B0C0-43AC-8725-86144B3510E7}"/>
+              </a:ext>
+            </a:extLst>
+          </p:cNvPr>
+          <p:cNvPicPr>
+            <a:picLocks noChangeAspect="1"/>
+          </p:cNvPicPr>
+          <p:nvPr/>
+        </p:nvPicPr>
+        <p:blipFill>
+          <a:blip r:embed="rId3"/>
+          <a:stretch>
+            <a:fillRect/>
+          </a:stretch>
+        </p:blipFill>
+        <p:spPr>
+          <a:xfrm>
+            <a:off x="5840738" y="758296"/>
+            <a:ext cx="4362856" cy="5418667"/>
+          </a:xfrm>
+          <a:prstGeom prst="rect">
+            <a:avLst/>
+          </a:prstGeom>
+        </p:spPr>
+      </p:pic>
     </p:spTree>
-    <p:extLst>
-      <p:ext uri="{BB962C8B-B14F-4D97-AF65-F5344CB8AC3E}">
-        <p14:creationId xmlns:p14="http://schemas.microsoft.com/office/powerpoint/2010/main" val="911313122"/>
-      </p:ext>
-    </p:extLst>
   </p:cSld>
   <p:clrMapOvr>
     <a:masterClrMapping/>
@@ -3358,7 +4793,7 @@
       </p:grpSpPr>
       <p:sp>
         <p:nvSpPr>
-          <p:cNvPr id="2" name="Title 1"/>
+          <p:cNvPr id="17409" name="Title 1"/>
           <p:cNvSpPr>
             <a:spLocks noGrp="1"/>
           </p:cNvSpPr>
@@ -3372,16 +4807,15 @@
           <a:lstStyle/>
           <a:p>
             <a:r>
-              <a:rPr lang="en-US" dirty="0" smtClean="0"/>
+              <a:rPr lang="en-US" altLang="en-US"/>
               <a:t>Demo</a:t>
             </a:r>
-            <a:endParaRPr lang="en-US" dirty="0"/>
-          </a:p>
-        </p:txBody>
-      </p:sp>
-      <p:sp>
-        <p:nvSpPr>
-          <p:cNvPr id="3" name="Content Placeholder 2"/>
+          </a:p>
+        </p:txBody>
+      </p:sp>
+      <p:sp>
+        <p:nvSpPr>
+          <p:cNvPr id="17410" name="Content Placeholder 2"/>
           <p:cNvSpPr>
             <a:spLocks noGrp="1"/>
           </p:cNvSpPr>
@@ -3395,19 +4829,43 @@
           <a:lstStyle/>
           <a:p>
             <a:r>
-              <a:rPr lang="en-US" dirty="0" smtClean="0"/>
+              <a:rPr lang="en-US" altLang="en-US" dirty="0"/>
               <a:t>Quick Demo</a:t>
             </a:r>
-            <a:endParaRPr lang="en-US" dirty="0"/>
-          </a:p>
-        </p:txBody>
-      </p:sp>
+          </a:p>
+        </p:txBody>
+      </p:sp>
+      <p:pic>
+        <p:nvPicPr>
+          <p:cNvPr id="2" name="Picture 2">
+            <a:extLst>
+              <a:ext uri="{FF2B5EF4-FFF2-40B4-BE49-F238E27FC236}">
+                <a16:creationId xmlns:a16="http://schemas.microsoft.com/office/drawing/2014/main" xmlns="" id="{BFD8DDF8-2F47-4D7F-A4DC-1418FCF9082F}"/>
+              </a:ext>
+            </a:extLst>
+          </p:cNvPr>
+          <p:cNvPicPr>
+            <a:picLocks noChangeAspect="1"/>
+          </p:cNvPicPr>
+          <p:nvPr/>
+        </p:nvPicPr>
+        <p:blipFill>
+          <a:blip r:embed="rId3"/>
+          <a:stretch>
+            <a:fillRect/>
+          </a:stretch>
+        </p:blipFill>
+        <p:spPr>
+          <a:xfrm>
+            <a:off x="3589379" y="1318711"/>
+            <a:ext cx="5013241" cy="3590926"/>
+          </a:xfrm>
+          <a:prstGeom prst="rect">
+            <a:avLst/>
+          </a:prstGeom>
+        </p:spPr>
+      </p:pic>
     </p:spTree>
-    <p:extLst>
-      <p:ext uri="{BB962C8B-B14F-4D97-AF65-F5344CB8AC3E}">
-        <p14:creationId xmlns:p14="http://schemas.microsoft.com/office/powerpoint/2010/main" val="586271050"/>
-      </p:ext>
-    </p:extLst>
   </p:cSld>
   <p:clrMapOvr>
     <a:masterClrMapping/>
@@ -3434,7 +4892,7 @@
       </p:grpSpPr>
       <p:sp>
         <p:nvSpPr>
-          <p:cNvPr id="2" name="Title 1"/>
+          <p:cNvPr id="18433" name="Title 1"/>
           <p:cNvSpPr>
             <a:spLocks noGrp="1"/>
           </p:cNvSpPr>
@@ -3448,16 +4906,20 @@
           <a:lstStyle/>
           <a:p>
             <a:r>
-              <a:rPr lang="en-US" dirty="0" smtClean="0"/>
-              <a:t>What Next</a:t>
-            </a:r>
-            <a:endParaRPr lang="en-US" dirty="0"/>
-          </a:p>
-        </p:txBody>
-      </p:sp>
-      <p:sp>
-        <p:nvSpPr>
-          <p:cNvPr id="3" name="Content Placeholder 2"/>
+              <a:rPr lang="en-US" altLang="en-US" dirty="0"/>
+              <a:t>What </a:t>
+            </a:r>
+            <a:r>
+              <a:rPr lang="en-US" altLang="en-US" dirty="0" smtClean="0"/>
+              <a:t>To Do Next</a:t>
+            </a:r>
+            <a:endParaRPr lang="en-US" altLang="en-US" dirty="0"/>
+          </a:p>
+        </p:txBody>
+      </p:sp>
+      <p:sp>
+        <p:nvSpPr>
+          <p:cNvPr id="18434" name="Content Placeholder 2"/>
           <p:cNvSpPr>
             <a:spLocks noGrp="1"/>
           </p:cNvSpPr>
@@ -3471,31 +4933,55 @@
           <a:lstStyle/>
           <a:p>
             <a:r>
-              <a:rPr lang="en-US" dirty="0" smtClean="0"/>
+              <a:rPr lang="en-US" altLang="en-US" dirty="0"/>
               <a:t>Add support for Strings</a:t>
             </a:r>
           </a:p>
           <a:p>
             <a:r>
-              <a:rPr lang="en-US" dirty="0" smtClean="0"/>
+              <a:rPr lang="en-US" altLang="en-US" dirty="0"/>
               <a:t>Add support for Functions</a:t>
             </a:r>
           </a:p>
           <a:p>
             <a:r>
-              <a:rPr lang="en-US" dirty="0" smtClean="0"/>
+              <a:rPr lang="en-US" altLang="en-US" dirty="0"/>
               <a:t>Support for loops</a:t>
             </a:r>
-            <a:endParaRPr lang="en-US" dirty="0"/>
-          </a:p>
-        </p:txBody>
-      </p:sp>
+          </a:p>
+        </p:txBody>
+      </p:sp>
+      <p:pic>
+        <p:nvPicPr>
+          <p:cNvPr id="2" name="Picture 2">
+            <a:extLst>
+              <a:ext uri="{FF2B5EF4-FFF2-40B4-BE49-F238E27FC236}">
+                <a16:creationId xmlns:a16="http://schemas.microsoft.com/office/drawing/2014/main" xmlns="" id="{42867FDB-D5A6-4A6B-AE91-40FE765BA7C0}"/>
+              </a:ext>
+            </a:extLst>
+          </p:cNvPr>
+          <p:cNvPicPr>
+            <a:picLocks noChangeAspect="1"/>
+          </p:cNvPicPr>
+          <p:nvPr/>
+        </p:nvPicPr>
+        <p:blipFill>
+          <a:blip r:embed="rId3"/>
+          <a:stretch>
+            <a:fillRect/>
+          </a:stretch>
+        </p:blipFill>
+        <p:spPr>
+          <a:xfrm>
+            <a:off x="6096000" y="1027906"/>
+            <a:ext cx="4762500" cy="5200650"/>
+          </a:xfrm>
+          <a:prstGeom prst="rect">
+            <a:avLst/>
+          </a:prstGeom>
+        </p:spPr>
+      </p:pic>
     </p:spTree>
-    <p:extLst>
-      <p:ext uri="{BB962C8B-B14F-4D97-AF65-F5344CB8AC3E}">
-        <p14:creationId xmlns:p14="http://schemas.microsoft.com/office/powerpoint/2010/main" val="1499740940"/>
-      </p:ext>
-    </p:extLst>
   </p:cSld>
   <p:clrMapOvr>
     <a:masterClrMapping/>
@@ -3504,6 +4990,267 @@
 </file>
 
 <file path=ppt/theme/theme1.xml><?xml version="1.0" encoding="utf-8"?>
+<a:theme xmlns:a="http://schemas.openxmlformats.org/drawingml/2006/main" name="Office Theme">
+  <a:themeElements>
+    <a:clrScheme name="Office">
+      <a:dk1>
+        <a:sysClr val="windowText" lastClr="000000"/>
+      </a:dk1>
+      <a:lt1>
+        <a:sysClr val="window" lastClr="FFFFFF"/>
+      </a:lt1>
+      <a:dk2>
+        <a:srgbClr val="44546A"/>
+      </a:dk2>
+      <a:lt2>
+        <a:srgbClr val="E7E6E6"/>
+      </a:lt2>
+      <a:accent1>
+        <a:srgbClr val="4472C4"/>
+      </a:accent1>
+      <a:accent2>
+        <a:srgbClr val="ED7D31"/>
+      </a:accent2>
+      <a:accent3>
+        <a:srgbClr val="A5A5A5"/>
+      </a:accent3>
+      <a:accent4>
+        <a:srgbClr val="FFC000"/>
+      </a:accent4>
+      <a:accent5>
+        <a:srgbClr val="5B9BD5"/>
+      </a:accent5>
+      <a:accent6>
+        <a:srgbClr val="70AD47"/>
+      </a:accent6>
+      <a:hlink>
+        <a:srgbClr val="0563C1"/>
+      </a:hlink>
+      <a:folHlink>
+        <a:srgbClr val="954F72"/>
+      </a:folHlink>
+    </a:clrScheme>
+    <a:fontScheme name="Office">
+      <a:majorFont>
+        <a:latin typeface="Calibri Light"/>
+        <a:ea typeface=""/>
+        <a:cs typeface=""/>
+        <a:font script="Jpan" typeface="Yu Gothic Light"/>
+        <a:font script="Hang" typeface="맑은 고딕"/>
+        <a:font script="Hans" typeface="DengXian Light"/>
+        <a:font script="Hant" typeface="新細明體"/>
+        <a:font script="Arab" typeface="Times New Roman"/>
+        <a:font script="Hebr" typeface="Times New Roman"/>
+        <a:font script="Thai" typeface="Angsana New"/>
+        <a:font script="Ethi" typeface="Nyala"/>
+        <a:font script="Beng" typeface="Vrinda"/>
+        <a:font script="Gujr" typeface="Shruti"/>
+        <a:font script="Khmr" typeface="MoolBoran"/>
+        <a:font script="Knda" typeface="Tunga"/>
+        <a:font script="Guru" typeface="Raavi"/>
+        <a:font script="Cans" typeface="Euphemia"/>
+        <a:font script="Cher" typeface="Plantagenet Cherokee"/>
+        <a:font script="Yiii" typeface="Microsoft Yi Baiti"/>
+        <a:font script="Tibt" typeface="Microsoft Himalaya"/>
+        <a:font script="Thaa" typeface="MV Boli"/>
+        <a:font script="Deva" typeface="Mangal"/>
+        <a:font script="Telu" typeface="Gautami"/>
+        <a:font script="Taml" typeface="Latha"/>
+        <a:font script="Syrc" typeface="Estrangelo Edessa"/>
+        <a:font script="Orya" typeface="Kalinga"/>
+        <a:font script="Mlym" typeface="Kartika"/>
+        <a:font script="Laoo" typeface="DokChampa"/>
+        <a:font script="Sinh" typeface="Iskoola Pota"/>
+        <a:font script="Mong" typeface="Mongolian Baiti"/>
+        <a:font script="Viet" typeface="Times New Roman"/>
+        <a:font script="Uigh" typeface="Microsoft Uighur"/>
+        <a:font script="Geor" typeface="Sylfaen"/>
+      </a:majorFont>
+      <a:minorFont>
+        <a:latin typeface="Calibri"/>
+        <a:ea typeface=""/>
+        <a:cs typeface=""/>
+        <a:font script="Jpan" typeface="Yu Gothic"/>
+        <a:font script="Hang" typeface="맑은 고딕"/>
+        <a:font script="Hans" typeface="DengXian"/>
+        <a:font script="Hant" typeface="新細明體"/>
+        <a:font script="Arab" typeface="Arial"/>
+        <a:font script="Hebr" typeface="Arial"/>
+        <a:font script="Thai" typeface="Cordia New"/>
+        <a:font script="Ethi" typeface="Nyala"/>
+        <a:font script="Beng" typeface="Vrinda"/>
+        <a:font script="Gujr" typeface="Shruti"/>
+        <a:font script="Khmr" typeface="DaunPenh"/>
+        <a:font script="Knda" typeface="Tunga"/>
+        <a:font script="Guru" typeface="Raavi"/>
+        <a:font script="Cans" typeface="Euphemia"/>
+        <a:font script="Cher" typeface="Plantagenet Cherokee"/>
+        <a:font script="Yiii" typeface="Microsoft Yi Baiti"/>
+        <a:font script="Tibt" typeface="Microsoft Himalaya"/>
+        <a:font script="Thaa" typeface="MV Boli"/>
+        <a:font script="Deva" typeface="Mangal"/>
+        <a:font script="Telu" typeface="Gautami"/>
+        <a:font script="Taml" typeface="Latha"/>
+        <a:font script="Syrc" typeface="Estrangelo Edessa"/>
+        <a:font script="Orya" typeface="Kalinga"/>
+        <a:font script="Mlym" typeface="Kartika"/>
+        <a:font script="Laoo" typeface="DokChampa"/>
+        <a:font script="Sinh" typeface="Iskoola Pota"/>
+        <a:font script="Mong" typeface="Mongolian Baiti"/>
+        <a:font script="Viet" typeface="Arial"/>
+        <a:font script="Uigh" typeface="Microsoft Uighur"/>
+        <a:font script="Geor" typeface="Sylfaen"/>
+      </a:minorFont>
+    </a:fontScheme>
+    <a:fmtScheme name="Office">
+      <a:fillStyleLst>
+        <a:solidFill>
+          <a:schemeClr val="phClr"/>
+        </a:solidFill>
+        <a:gradFill rotWithShape="1">
+          <a:gsLst>
+            <a:gs pos="0">
+              <a:schemeClr val="phClr">
+                <a:lumMod val="110000"/>
+                <a:satMod val="105000"/>
+                <a:tint val="67000"/>
+              </a:schemeClr>
+            </a:gs>
+            <a:gs pos="50000">
+              <a:schemeClr val="phClr">
+                <a:lumMod val="105000"/>
+                <a:satMod val="103000"/>
+                <a:tint val="73000"/>
+              </a:schemeClr>
+            </a:gs>
+            <a:gs pos="100000">
+              <a:schemeClr val="phClr">
+                <a:lumMod val="105000"/>
+                <a:satMod val="109000"/>
+                <a:tint val="81000"/>
+              </a:schemeClr>
+            </a:gs>
+          </a:gsLst>
+          <a:lin ang="5400000" scaled="0"/>
+        </a:gradFill>
+        <a:gradFill rotWithShape="1">
+          <a:gsLst>
+            <a:gs pos="0">
+              <a:schemeClr val="phClr">
+                <a:satMod val="103000"/>
+                <a:lumMod val="102000"/>
+                <a:tint val="94000"/>
+              </a:schemeClr>
+            </a:gs>
+            <a:gs pos="50000">
+              <a:schemeClr val="phClr">
+                <a:satMod val="110000"/>
+                <a:lumMod val="100000"/>
+                <a:shade val="100000"/>
+              </a:schemeClr>
+            </a:gs>
+            <a:gs pos="100000">
+              <a:schemeClr val="phClr">
+                <a:lumMod val="99000"/>
+                <a:satMod val="120000"/>
+                <a:shade val="78000"/>
+              </a:schemeClr>
+            </a:gs>
+          </a:gsLst>
+          <a:lin ang="5400000" scaled="0"/>
+        </a:gradFill>
+      </a:fillStyleLst>
+      <a:lnStyleLst>
+        <a:ln w="6350" cap="flat" cmpd="sng" algn="ctr">
+          <a:solidFill>
+            <a:schemeClr val="phClr"/>
+          </a:solidFill>
+          <a:prstDash val="solid"/>
+          <a:miter lim="800000"/>
+        </a:ln>
+        <a:ln w="12700" cap="flat" cmpd="sng" algn="ctr">
+          <a:solidFill>
+            <a:schemeClr val="phClr"/>
+          </a:solidFill>
+          <a:prstDash val="solid"/>
+          <a:miter lim="800000"/>
+        </a:ln>
+        <a:ln w="19050" cap="flat" cmpd="sng" algn="ctr">
+          <a:solidFill>
+            <a:schemeClr val="phClr"/>
+          </a:solidFill>
+          <a:prstDash val="solid"/>
+          <a:miter lim="800000"/>
+        </a:ln>
+      </a:lnStyleLst>
+      <a:effectStyleLst>
+        <a:effectStyle>
+          <a:effectLst/>
+        </a:effectStyle>
+        <a:effectStyle>
+          <a:effectLst/>
+        </a:effectStyle>
+        <a:effectStyle>
+          <a:effectLst>
+            <a:outerShdw blurRad="57150" dist="19050" dir="5400000" algn="ctr" rotWithShape="0">
+              <a:srgbClr val="000000">
+                <a:alpha val="63000"/>
+              </a:srgbClr>
+            </a:outerShdw>
+          </a:effectLst>
+        </a:effectStyle>
+      </a:effectStyleLst>
+      <a:bgFillStyleLst>
+        <a:solidFill>
+          <a:schemeClr val="phClr"/>
+        </a:solidFill>
+        <a:solidFill>
+          <a:schemeClr val="phClr">
+            <a:tint val="95000"/>
+            <a:satMod val="170000"/>
+          </a:schemeClr>
+        </a:solidFill>
+        <a:gradFill rotWithShape="1">
+          <a:gsLst>
+            <a:gs pos="0">
+              <a:schemeClr val="phClr">
+                <a:tint val="93000"/>
+                <a:satMod val="150000"/>
+                <a:shade val="98000"/>
+                <a:lumMod val="102000"/>
+              </a:schemeClr>
+            </a:gs>
+            <a:gs pos="50000">
+              <a:schemeClr val="phClr">
+                <a:tint val="98000"/>
+                <a:satMod val="130000"/>
+                <a:shade val="90000"/>
+                <a:lumMod val="103000"/>
+              </a:schemeClr>
+            </a:gs>
+            <a:gs pos="100000">
+              <a:schemeClr val="phClr">
+                <a:shade val="63000"/>
+                <a:satMod val="120000"/>
+              </a:schemeClr>
+            </a:gs>
+          </a:gsLst>
+          <a:lin ang="5400000" scaled="0"/>
+        </a:gradFill>
+      </a:bgFillStyleLst>
+    </a:fmtScheme>
+  </a:themeElements>
+  <a:objectDefaults/>
+  <a:extraClrSchemeLst/>
+  <a:extLst>
+    <a:ext uri="{05A4C25C-085E-4340-85A3-A5531E510DB2}">
+      <thm15:themeFamily xmlns:thm15="http://schemas.microsoft.com/office/thememl/2012/main" name="Office Theme" id="{62F939B6-93AF-4DB8-9C6B-D6C7DFDC589F}" vid="{4A3C46E8-61CC-4603-A589-7422A47A8E4A}"/>
+    </a:ext>
+  </a:extLst>
+</a:theme>
+</file>
+
+<file path=ppt/theme/theme2.xml><?xml version="1.0" encoding="utf-8"?>
 <a:theme xmlns:a="http://schemas.openxmlformats.org/drawingml/2006/main" name="Office Theme">
   <a:themeElements>
     <a:clrScheme name="Office">

--- a/docs/Presentation.pptx
+++ b/docs/Presentation.pptx
@@ -232,7 +232,7 @@
           <a:p>
             <a:fld id="{82CAD2DE-6879-8E49-8DBA-44A5FDDC6440}" type="datetimeFigureOut">
               <a:rPr lang="en-US" smtClean="0"/>
-              <a:t>12/3/17</a:t>
+              <a:t>12/3/2017</a:t>
             </a:fld>
             <a:endParaRPr lang="en-US"/>
           </a:p>
@@ -296,38 +296,37 @@
           <a:p>
             <a:pPr lvl="0"/>
             <a:r>
-              <a:rPr lang="en-US" smtClean="0"/>
+              <a:rPr lang="en-US"/>
               <a:t>Click to edit Master text styles</a:t>
             </a:r>
           </a:p>
           <a:p>
             <a:pPr lvl="1"/>
             <a:r>
-              <a:rPr lang="en-US" smtClean="0"/>
+              <a:rPr lang="en-US"/>
               <a:t>Second level</a:t>
             </a:r>
           </a:p>
           <a:p>
             <a:pPr lvl="2"/>
             <a:r>
-              <a:rPr lang="en-US" smtClean="0"/>
+              <a:rPr lang="en-US"/>
               <a:t>Third level</a:t>
             </a:r>
           </a:p>
           <a:p>
             <a:pPr lvl="3"/>
             <a:r>
-              <a:rPr lang="en-US" smtClean="0"/>
+              <a:rPr lang="en-US"/>
               <a:t>Fourth level</a:t>
             </a:r>
           </a:p>
           <a:p>
             <a:pPr lvl="4"/>
             <a:r>
-              <a:rPr lang="en-US" smtClean="0"/>
+              <a:rPr lang="en-US"/>
               <a:t>Fifth level</a:t>
             </a:r>
-            <a:endParaRPr lang="en-US"/>
           </a:p>
         </p:txBody>
       </p:sp>
@@ -545,19 +544,19 @@
           <a:lstStyle/>
           <a:p>
             <a:r>
-              <a:rPr lang="en-US" dirty="0" smtClean="0"/>
+              <a:rPr lang="en-US" dirty="0"/>
               <a:t>We chose python because it is a fast,</a:t>
             </a:r>
             <a:r>
-              <a:rPr lang="en-US" baseline="0" dirty="0" smtClean="0"/>
+              <a:rPr lang="en-US" baseline="0" dirty="0"/>
               <a:t> </a:t>
             </a:r>
             <a:r>
-              <a:rPr lang="en-US" baseline="0" dirty="0" err="1" smtClean="0"/>
+              <a:rPr lang="en-US" baseline="0" dirty="0" err="1"/>
               <a:t>typeless</a:t>
             </a:r>
             <a:r>
-              <a:rPr lang="en-US" baseline="0" dirty="0" smtClean="0"/>
+              <a:rPr lang="en-US" baseline="0" dirty="0"/>
               <a:t> language that can easily handle file input, math, output and other necessary features. Python was flexible enough to handle what we wanted to do with out language, and made it easy to implement a stack that could handle multiple types of objects. We chose a cooking theme as it is interesting, and something we all enjoy in our group.</a:t>
             </a:r>
             <a:endParaRPr lang="en-US" dirty="0"/>
@@ -645,27 +644,27 @@
           <a:lstStyle/>
           <a:p>
             <a:r>
-              <a:rPr lang="en-US" dirty="0" err="1" smtClean="0"/>
+              <a:rPr lang="en-US" dirty="0" err="1"/>
               <a:t>Cookpy</a:t>
             </a:r>
             <a:r>
-              <a:rPr lang="en-US" baseline="0" dirty="0" smtClean="0"/>
+              <a:rPr lang="en-US" baseline="0" dirty="0"/>
               <a:t> has support for all the basic math functions (+,-,/,* as well as </a:t>
             </a:r>
             <a:r>
-              <a:rPr lang="en-US" baseline="0" dirty="0" err="1" smtClean="0"/>
+              <a:rPr lang="en-US" baseline="0" dirty="0" err="1"/>
               <a:t>int</a:t>
             </a:r>
             <a:r>
-              <a:rPr lang="en-US" baseline="0" dirty="0" smtClean="0"/>
+              <a:rPr lang="en-US" baseline="0" dirty="0"/>
               <a:t> division) Variables, and input output. Variables can be stored, and recalled on demand, and anything that fits in the stack </a:t>
             </a:r>
             <a:r>
-              <a:rPr lang="en-US" baseline="0" dirty="0" err="1" smtClean="0"/>
+              <a:rPr lang="en-US" baseline="0" dirty="0" err="1"/>
               <a:t>canbe</a:t>
             </a:r>
             <a:r>
-              <a:rPr lang="en-US" baseline="0" dirty="0" smtClean="0"/>
+              <a:rPr lang="en-US" baseline="0" dirty="0"/>
               <a:t> stored as a variable. We also support comments in the source code. </a:t>
             </a:r>
             <a:endParaRPr lang="en-US" dirty="0"/>
@@ -753,23 +752,23 @@
           <a:lstStyle/>
           <a:p>
             <a:r>
-              <a:rPr lang="en-US" dirty="0" smtClean="0"/>
+              <a:rPr lang="en-US" dirty="0"/>
               <a:t>We where unable to implement all the features we wanted due mostly to time constraints. We wanted to implement functions and flow control so that the code can run out of order. </a:t>
             </a:r>
             <a:r>
-              <a:rPr lang="en-US" dirty="0" err="1" smtClean="0"/>
+              <a:rPr lang="en-US" dirty="0" err="1"/>
               <a:t>Cookpy</a:t>
             </a:r>
             <a:r>
-              <a:rPr lang="en-US" baseline="0" dirty="0" smtClean="0"/>
+              <a:rPr lang="en-US" baseline="0" dirty="0"/>
               <a:t> also doesn’t support Strings or other objects than </a:t>
             </a:r>
             <a:r>
-              <a:rPr lang="en-US" baseline="0" dirty="0" err="1" smtClean="0"/>
+              <a:rPr lang="en-US" baseline="0" dirty="0" err="1"/>
               <a:t>ints</a:t>
             </a:r>
             <a:r>
-              <a:rPr lang="en-US" baseline="0" dirty="0" smtClean="0"/>
+              <a:rPr lang="en-US" baseline="0" dirty="0"/>
               <a:t> and floats. We also don’t have loops or a debugger built in.</a:t>
             </a:r>
             <a:endParaRPr lang="en-US" dirty="0"/>
@@ -857,11 +856,11 @@
           <a:lstStyle/>
           <a:p>
             <a:r>
-              <a:rPr lang="en-US" dirty="0" smtClean="0"/>
+              <a:rPr lang="en-US" dirty="0"/>
               <a:t>Hopefully it</a:t>
             </a:r>
             <a:r>
-              <a:rPr lang="en-US" baseline="0" dirty="0" smtClean="0"/>
+              <a:rPr lang="en-US" baseline="0" dirty="0"/>
               <a:t> works!</a:t>
             </a:r>
             <a:endParaRPr lang="en-US" dirty="0"/>
@@ -949,11 +948,11 @@
           <a:lstStyle/>
           <a:p>
             <a:r>
-              <a:rPr lang="en-US" dirty="0" smtClean="0"/>
+              <a:rPr lang="en-US" dirty="0"/>
               <a:t>If we could continue this project we</a:t>
             </a:r>
             <a:r>
-              <a:rPr lang="en-US" baseline="0" dirty="0" smtClean="0"/>
+              <a:rPr lang="en-US" baseline="0" dirty="0"/>
               <a:t> would add higher level features such as functions, and other object types. We also would implement other features such as a debugger.</a:t>
             </a:r>
             <a:endParaRPr lang="en-US" dirty="0"/>
@@ -1135,7 +1134,7 @@
               <a:pPr>
                 <a:defRPr/>
               </a:pPr>
-              <a:t>12/3/17</a:t>
+              <a:t>12/3/2017</a:t>
             </a:fld>
             <a:endParaRPr lang="en-US"/>
           </a:p>
@@ -1325,7 +1324,7 @@
               <a:pPr>
                 <a:defRPr/>
               </a:pPr>
-              <a:t>12/3/17</a:t>
+              <a:t>12/3/2017</a:t>
             </a:fld>
             <a:endParaRPr lang="en-US"/>
           </a:p>
@@ -1525,7 +1524,7 @@
               <a:pPr>
                 <a:defRPr/>
               </a:pPr>
-              <a:t>12/3/17</a:t>
+              <a:t>12/3/2017</a:t>
             </a:fld>
             <a:endParaRPr lang="en-US"/>
           </a:p>
@@ -1715,7 +1714,7 @@
               <a:pPr>
                 <a:defRPr/>
               </a:pPr>
-              <a:t>12/3/17</a:t>
+              <a:t>12/3/2017</a:t>
             </a:fld>
             <a:endParaRPr lang="en-US"/>
           </a:p>
@@ -1982,7 +1981,7 @@
               <a:pPr>
                 <a:defRPr/>
               </a:pPr>
-              <a:t>12/3/17</a:t>
+              <a:t>12/3/2017</a:t>
             </a:fld>
             <a:endParaRPr lang="en-US"/>
           </a:p>
@@ -2233,7 +2232,7 @@
               <a:pPr>
                 <a:defRPr/>
               </a:pPr>
-              <a:t>12/3/17</a:t>
+              <a:t>12/3/2017</a:t>
             </a:fld>
             <a:endParaRPr lang="en-US"/>
           </a:p>
@@ -2619,7 +2618,7 @@
               <a:pPr>
                 <a:defRPr/>
               </a:pPr>
-              <a:t>12/3/17</a:t>
+              <a:t>12/3/2017</a:t>
             </a:fld>
             <a:endParaRPr lang="en-US"/>
           </a:p>
@@ -2758,7 +2757,7 @@
               <a:pPr>
                 <a:defRPr/>
               </a:pPr>
-              <a:t>12/3/17</a:t>
+              <a:t>12/3/2017</a:t>
             </a:fld>
             <a:endParaRPr lang="en-US"/>
           </a:p>
@@ -2875,7 +2874,7 @@
               <a:pPr>
                 <a:defRPr/>
               </a:pPr>
-              <a:t>12/3/17</a:t>
+              <a:t>12/3/2017</a:t>
             </a:fld>
             <a:endParaRPr lang="en-US"/>
           </a:p>
@@ -3172,7 +3171,7 @@
               <a:pPr>
                 <a:defRPr/>
               </a:pPr>
-              <a:t>12/3/17</a:t>
+              <a:t>12/3/2017</a:t>
             </a:fld>
             <a:endParaRPr lang="en-US"/>
           </a:p>
@@ -3449,7 +3448,7 @@
               <a:pPr>
                 <a:defRPr/>
               </a:pPr>
-              <a:t>12/3/17</a:t>
+              <a:t>12/3/2017</a:t>
             </a:fld>
             <a:endParaRPr lang="en-US"/>
           </a:p>
@@ -3767,7 +3766,7 @@
               <a:pPr>
                 <a:defRPr/>
               </a:pPr>
-              <a:t>12/3/17</a:t>
+              <a:t>12/3/2017</a:t>
             </a:fld>
             <a:endParaRPr lang="en-US"/>
           </a:p>
@@ -4566,20 +4565,14 @@
           <a:p>
             <a:r>
               <a:rPr lang="en-US" altLang="en-US" dirty="0"/>
-              <a:t>All basic math </a:t>
-            </a:r>
-            <a:r>
-              <a:rPr lang="en-US" altLang="en-US" dirty="0" smtClean="0"/>
-              <a:t>functions (+,-,/,*)</a:t>
-            </a:r>
-            <a:endParaRPr lang="en-US" altLang="en-US" dirty="0"/>
-          </a:p>
-          <a:p>
-            <a:r>
-              <a:rPr lang="en-US" altLang="en-US" dirty="0" smtClean="0"/>
+              <a:t>All basic math functions (+,-,/,*)</a:t>
+            </a:r>
+          </a:p>
+          <a:p>
+            <a:r>
+              <a:rPr lang="en-US" altLang="en-US" dirty="0"/>
               <a:t>Global Variables</a:t>
             </a:r>
-            <a:endParaRPr lang="en-US" altLang="en-US" dirty="0"/>
           </a:p>
           <a:p>
             <a:r>
@@ -4589,7 +4582,7 @@
           </a:p>
           <a:p>
             <a:r>
-              <a:rPr lang="en-US" altLang="en-US" dirty="0" smtClean="0"/>
+              <a:rPr lang="en-US" altLang="en-US" dirty="0"/>
               <a:t>Comments</a:t>
             </a:r>
           </a:p>
@@ -4600,7 +4593,7 @@
           <p:cNvPr id="2" name="Picture 2">
             <a:extLst>
               <a:ext uri="{FF2B5EF4-FFF2-40B4-BE49-F238E27FC236}">
-                <a16:creationId xmlns:a16="http://schemas.microsoft.com/office/drawing/2014/main" xmlns="" id="{3B010912-C7FF-41D8-8AAB-4AEE892112FF}"/>
+                <a16:creationId xmlns:a16="http://schemas.microsoft.com/office/drawing/2014/main" id="{3B010912-C7FF-41D8-8AAB-4AEE892112FF}"/>
               </a:ext>
             </a:extLst>
           </p:cNvPr>
@@ -4689,47 +4682,32 @@
           <a:p>
             <a:r>
               <a:rPr lang="en-US" altLang="en-US" dirty="0"/>
-              <a:t>No function </a:t>
-            </a:r>
-            <a:r>
-              <a:rPr lang="en-US" altLang="en-US" dirty="0" smtClean="0"/>
-              <a:t>support</a:t>
-            </a:r>
-          </a:p>
-          <a:p>
-            <a:r>
-              <a:rPr lang="en-US" altLang="en-US" dirty="0" smtClean="0"/>
+              <a:t>No function support</a:t>
+            </a:r>
+          </a:p>
+          <a:p>
+            <a:r>
+              <a:rPr lang="en-US" altLang="en-US" dirty="0"/>
               <a:t>No flow control</a:t>
             </a:r>
-            <a:endParaRPr lang="en-US" altLang="en-US" dirty="0"/>
           </a:p>
           <a:p>
             <a:r>
               <a:rPr lang="en-US" altLang="en-US" dirty="0"/>
-              <a:t>No String </a:t>
-            </a:r>
-            <a:r>
-              <a:rPr lang="en-US" altLang="en-US" dirty="0" smtClean="0"/>
-              <a:t>support </a:t>
-            </a:r>
-            <a:endParaRPr lang="en-US" altLang="en-US" dirty="0"/>
+              <a:t>No String support </a:t>
+            </a:r>
           </a:p>
           <a:p>
             <a:r>
               <a:rPr lang="en-US" altLang="en-US" dirty="0"/>
-              <a:t>No </a:t>
-            </a:r>
-            <a:r>
-              <a:rPr lang="en-US" altLang="en-US" dirty="0" smtClean="0"/>
-              <a:t>loops (for, while, etc.)</a:t>
-            </a:r>
-          </a:p>
-          <a:p>
-            <a:r>
-              <a:rPr lang="en-US" altLang="en-US" dirty="0" smtClean="0"/>
+              <a:t>No loops (for, while, etc.)</a:t>
+            </a:r>
+          </a:p>
+          <a:p>
+            <a:r>
+              <a:rPr lang="en-US" altLang="en-US" dirty="0"/>
               <a:t>No built in debugger</a:t>
             </a:r>
-            <a:endParaRPr lang="en-US" altLang="en-US" dirty="0"/>
           </a:p>
           <a:p>
             <a:endParaRPr lang="en-US" altLang="en-US" dirty="0"/>
@@ -4741,7 +4719,7 @@
           <p:cNvPr id="2" name="Picture 2">
             <a:extLst>
               <a:ext uri="{FF2B5EF4-FFF2-40B4-BE49-F238E27FC236}">
-                <a16:creationId xmlns:a16="http://schemas.microsoft.com/office/drawing/2014/main" xmlns="" id="{4FDBEBB1-B0C0-43AC-8725-86144B3510E7}"/>
+                <a16:creationId xmlns:a16="http://schemas.microsoft.com/office/drawing/2014/main" id="{4FDBEBB1-B0C0-43AC-8725-86144B3510E7}"/>
               </a:ext>
             </a:extLst>
           </p:cNvPr>
@@ -4807,7 +4785,7 @@
           <a:lstStyle/>
           <a:p>
             <a:r>
-              <a:rPr lang="en-US" altLang="en-US"/>
+              <a:rPr lang="en-US" altLang="en-US" dirty="0"/>
               <a:t>Demo</a:t>
             </a:r>
           </a:p>
@@ -4830,7 +4808,40 @@
           <a:p>
             <a:r>
               <a:rPr lang="en-US" altLang="en-US" dirty="0"/>
-              <a:t>Quick Demo</a:t>
+              <a:t>A demonstration</a:t>
+            </a:r>
+          </a:p>
+          <a:p>
+            <a:endParaRPr lang="en-US" altLang="en-US" dirty="0"/>
+          </a:p>
+          <a:p>
+            <a:r>
+              <a:rPr lang="en-US" altLang="en-US" dirty="0"/>
+              <a:t>Mix</a:t>
+            </a:r>
+          </a:p>
+          <a:p>
+            <a:r>
+              <a:rPr lang="en-US" altLang="en-US" dirty="0"/>
+              <a:t>Skim</a:t>
+            </a:r>
+          </a:p>
+          <a:p>
+            <a:r>
+              <a:rPr lang="en-US" altLang="en-US" dirty="0"/>
+              <a:t>Serve</a:t>
+            </a:r>
+          </a:p>
+          <a:p>
+            <a:r>
+              <a:rPr lang="en-US" altLang="en-US" dirty="0"/>
+              <a:t>Pack</a:t>
+            </a:r>
+          </a:p>
+          <a:p>
+            <a:r>
+              <a:rPr lang="en-US" altLang="en-US" dirty="0"/>
+              <a:t>Trash</a:t>
             </a:r>
           </a:p>
         </p:txBody>
@@ -4840,7 +4851,7 @@
           <p:cNvPr id="2" name="Picture 2">
             <a:extLst>
               <a:ext uri="{FF2B5EF4-FFF2-40B4-BE49-F238E27FC236}">
-                <a16:creationId xmlns:a16="http://schemas.microsoft.com/office/drawing/2014/main" xmlns="" id="{BFD8DDF8-2F47-4D7F-A4DC-1418FCF9082F}"/>
+                <a16:creationId xmlns:a16="http://schemas.microsoft.com/office/drawing/2014/main" id="{BFD8DDF8-2F47-4D7F-A4DC-1418FCF9082F}"/>
               </a:ext>
             </a:extLst>
           </p:cNvPr>
@@ -4857,7 +4868,7 @@
         </p:blipFill>
         <p:spPr>
           <a:xfrm>
-            <a:off x="3589379" y="1318711"/>
+            <a:off x="5063066" y="1825625"/>
             <a:ext cx="5013241" cy="3590926"/>
           </a:xfrm>
           <a:prstGeom prst="rect">
@@ -4907,13 +4918,8 @@
           <a:p>
             <a:r>
               <a:rPr lang="en-US" altLang="en-US" dirty="0"/>
-              <a:t>What </a:t>
-            </a:r>
-            <a:r>
-              <a:rPr lang="en-US" altLang="en-US" dirty="0" smtClean="0"/>
-              <a:t>To Do Next</a:t>
-            </a:r>
-            <a:endParaRPr lang="en-US" altLang="en-US" dirty="0"/>
+              <a:t>What To Do Next</a:t>
+            </a:r>
           </a:p>
         </p:txBody>
       </p:sp>
@@ -4956,7 +4962,7 @@
           <p:cNvPr id="2" name="Picture 2">
             <a:extLst>
               <a:ext uri="{FF2B5EF4-FFF2-40B4-BE49-F238E27FC236}">
-                <a16:creationId xmlns:a16="http://schemas.microsoft.com/office/drawing/2014/main" xmlns="" id="{42867FDB-D5A6-4A6B-AE91-40FE765BA7C0}"/>
+                <a16:creationId xmlns:a16="http://schemas.microsoft.com/office/drawing/2014/main" id="{42867FDB-D5A6-4A6B-AE91-40FE765BA7C0}"/>
               </a:ext>
             </a:extLst>
           </p:cNvPr>

--- a/docs/Presentation.pptx
+++ b/docs/Presentation.pptx
@@ -232,7 +232,7 @@
           <a:p>
             <a:fld id="{82CAD2DE-6879-8E49-8DBA-44A5FDDC6440}" type="datetimeFigureOut">
               <a:rPr lang="en-US" smtClean="0"/>
-              <a:t>12/3/2017</a:t>
+              <a:t>12/3/17</a:t>
             </a:fld>
             <a:endParaRPr lang="en-US"/>
           </a:p>
@@ -1134,7 +1134,7 @@
               <a:pPr>
                 <a:defRPr/>
               </a:pPr>
-              <a:t>12/3/2017</a:t>
+              <a:t>12/3/17</a:t>
             </a:fld>
             <a:endParaRPr lang="en-US"/>
           </a:p>
@@ -1324,7 +1324,7 @@
               <a:pPr>
                 <a:defRPr/>
               </a:pPr>
-              <a:t>12/3/2017</a:t>
+              <a:t>12/3/17</a:t>
             </a:fld>
             <a:endParaRPr lang="en-US"/>
           </a:p>
@@ -1524,7 +1524,7 @@
               <a:pPr>
                 <a:defRPr/>
               </a:pPr>
-              <a:t>12/3/2017</a:t>
+              <a:t>12/3/17</a:t>
             </a:fld>
             <a:endParaRPr lang="en-US"/>
           </a:p>
@@ -1714,7 +1714,7 @@
               <a:pPr>
                 <a:defRPr/>
               </a:pPr>
-              <a:t>12/3/2017</a:t>
+              <a:t>12/3/17</a:t>
             </a:fld>
             <a:endParaRPr lang="en-US"/>
           </a:p>
@@ -1981,7 +1981,7 @@
               <a:pPr>
                 <a:defRPr/>
               </a:pPr>
-              <a:t>12/3/2017</a:t>
+              <a:t>12/3/17</a:t>
             </a:fld>
             <a:endParaRPr lang="en-US"/>
           </a:p>
@@ -2232,7 +2232,7 @@
               <a:pPr>
                 <a:defRPr/>
               </a:pPr>
-              <a:t>12/3/2017</a:t>
+              <a:t>12/3/17</a:t>
             </a:fld>
             <a:endParaRPr lang="en-US"/>
           </a:p>
@@ -2618,7 +2618,7 @@
               <a:pPr>
                 <a:defRPr/>
               </a:pPr>
-              <a:t>12/3/2017</a:t>
+              <a:t>12/3/17</a:t>
             </a:fld>
             <a:endParaRPr lang="en-US"/>
           </a:p>
@@ -2757,7 +2757,7 @@
               <a:pPr>
                 <a:defRPr/>
               </a:pPr>
-              <a:t>12/3/2017</a:t>
+              <a:t>12/3/17</a:t>
             </a:fld>
             <a:endParaRPr lang="en-US"/>
           </a:p>
@@ -2874,7 +2874,7 @@
               <a:pPr>
                 <a:defRPr/>
               </a:pPr>
-              <a:t>12/3/2017</a:t>
+              <a:t>12/3/17</a:t>
             </a:fld>
             <a:endParaRPr lang="en-US"/>
           </a:p>
@@ -3171,7 +3171,7 @@
               <a:pPr>
                 <a:defRPr/>
               </a:pPr>
-              <a:t>12/3/2017</a:t>
+              <a:t>12/3/17</a:t>
             </a:fld>
             <a:endParaRPr lang="en-US"/>
           </a:p>
@@ -3448,7 +3448,7 @@
               <a:pPr>
                 <a:defRPr/>
               </a:pPr>
-              <a:t>12/3/2017</a:t>
+              <a:t>12/3/17</a:t>
             </a:fld>
             <a:endParaRPr lang="en-US"/>
           </a:p>
@@ -3766,7 +3766,7 @@
               <a:pPr>
                 <a:defRPr/>
               </a:pPr>
-              <a:t>12/3/2017</a:t>
+              <a:t>12/3/17</a:t>
             </a:fld>
             <a:endParaRPr lang="en-US"/>
           </a:p>
@@ -4593,7 +4593,7 @@
           <p:cNvPr id="2" name="Picture 2">
             <a:extLst>
               <a:ext uri="{FF2B5EF4-FFF2-40B4-BE49-F238E27FC236}">
-                <a16:creationId xmlns:a16="http://schemas.microsoft.com/office/drawing/2014/main" id="{3B010912-C7FF-41D8-8AAB-4AEE892112FF}"/>
+                <a16:creationId xmlns:a16="http://schemas.microsoft.com/office/drawing/2014/main" xmlns="" id="{3B010912-C7FF-41D8-8AAB-4AEE892112FF}"/>
               </a:ext>
             </a:extLst>
           </p:cNvPr>
@@ -4719,7 +4719,7 @@
           <p:cNvPr id="2" name="Picture 2">
             <a:extLst>
               <a:ext uri="{FF2B5EF4-FFF2-40B4-BE49-F238E27FC236}">
-                <a16:creationId xmlns:a16="http://schemas.microsoft.com/office/drawing/2014/main" id="{4FDBEBB1-B0C0-43AC-8725-86144B3510E7}"/>
+                <a16:creationId xmlns:a16="http://schemas.microsoft.com/office/drawing/2014/main" xmlns="" id="{4FDBEBB1-B0C0-43AC-8725-86144B3510E7}"/>
               </a:ext>
             </a:extLst>
           </p:cNvPr>
@@ -4816,32 +4816,51 @@
           </a:p>
           <a:p>
             <a:r>
-              <a:rPr lang="en-US" altLang="en-US" dirty="0"/>
-              <a:t>Mix</a:t>
-            </a:r>
-          </a:p>
-          <a:p>
-            <a:r>
-              <a:rPr lang="en-US" altLang="en-US" dirty="0"/>
-              <a:t>Skim</a:t>
-            </a:r>
-          </a:p>
-          <a:p>
-            <a:r>
-              <a:rPr lang="en-US" altLang="en-US" dirty="0"/>
-              <a:t>Serve</a:t>
-            </a:r>
-          </a:p>
-          <a:p>
-            <a:r>
-              <a:rPr lang="en-US" altLang="en-US" dirty="0"/>
-              <a:t>Pack</a:t>
-            </a:r>
-          </a:p>
-          <a:p>
-            <a:r>
-              <a:rPr lang="en-US" altLang="en-US" dirty="0"/>
-              <a:t>Trash</a:t>
+              <a:rPr lang="en-US" altLang="en-US" dirty="0" smtClean="0"/>
+              <a:t>Mix		-Add</a:t>
+            </a:r>
+            <a:endParaRPr lang="en-US" altLang="en-US" dirty="0"/>
+          </a:p>
+          <a:p>
+            <a:r>
+              <a:rPr lang="en-US" altLang="en-US" dirty="0" smtClean="0"/>
+              <a:t>Skim	-Subtract</a:t>
+            </a:r>
+            <a:endParaRPr lang="en-US" altLang="en-US" dirty="0"/>
+          </a:p>
+          <a:p>
+            <a:r>
+              <a:rPr lang="en-US" altLang="en-US" dirty="0" smtClean="0"/>
+              <a:t>Serve	-Print</a:t>
+            </a:r>
+            <a:endParaRPr lang="en-US" altLang="en-US" dirty="0"/>
+          </a:p>
+          <a:p>
+            <a:r>
+              <a:rPr lang="en-US" altLang="en-US" dirty="0" smtClean="0"/>
+              <a:t>Pack		-Save A </a:t>
+            </a:r>
+            <a:r>
+              <a:rPr lang="en-US" altLang="en-US" dirty="0" err="1" smtClean="0"/>
+              <a:t>Var</a:t>
+            </a:r>
+            <a:endParaRPr lang="en-US" altLang="en-US" dirty="0"/>
+          </a:p>
+          <a:p>
+            <a:r>
+              <a:rPr lang="en-US" altLang="en-US" dirty="0" smtClean="0"/>
+              <a:t>Trash	-Delete A </a:t>
+            </a:r>
+            <a:r>
+              <a:rPr lang="en-US" altLang="en-US" dirty="0" err="1" smtClean="0"/>
+              <a:t>Var</a:t>
+            </a:r>
+            <a:endParaRPr lang="en-US" altLang="en-US" dirty="0"/>
+          </a:p>
+          <a:p>
+            <a:r>
+              <a:rPr lang="en-US" altLang="en-US" dirty="0" smtClean="0"/>
+              <a:t>And Much More!</a:t>
             </a:r>
           </a:p>
         </p:txBody>
@@ -4851,7 +4870,7 @@
           <p:cNvPr id="2" name="Picture 2">
             <a:extLst>
               <a:ext uri="{FF2B5EF4-FFF2-40B4-BE49-F238E27FC236}">
-                <a16:creationId xmlns:a16="http://schemas.microsoft.com/office/drawing/2014/main" id="{BFD8DDF8-2F47-4D7F-A4DC-1418FCF9082F}"/>
+                <a16:creationId xmlns:a16="http://schemas.microsoft.com/office/drawing/2014/main" xmlns="" id="{BFD8DDF8-2F47-4D7F-A4DC-1418FCF9082F}"/>
               </a:ext>
             </a:extLst>
           </p:cNvPr>
@@ -4962,7 +4981,7 @@
           <p:cNvPr id="2" name="Picture 2">
             <a:extLst>
               <a:ext uri="{FF2B5EF4-FFF2-40B4-BE49-F238E27FC236}">
-                <a16:creationId xmlns:a16="http://schemas.microsoft.com/office/drawing/2014/main" id="{42867FDB-D5A6-4A6B-AE91-40FE765BA7C0}"/>
+                <a16:creationId xmlns:a16="http://schemas.microsoft.com/office/drawing/2014/main" xmlns="" id="{42867FDB-D5A6-4A6B-AE91-40FE765BA7C0}"/>
               </a:ext>
             </a:extLst>
           </p:cNvPr>

--- a/docs/Presentation.pptx
+++ b/docs/Presentation.pptx
@@ -11,8 +11,8 @@
     <p:sldId id="256" r:id="rId2"/>
     <p:sldId id="257" r:id="rId3"/>
     <p:sldId id="258" r:id="rId4"/>
-    <p:sldId id="259" r:id="rId5"/>
-    <p:sldId id="260" r:id="rId6"/>
+    <p:sldId id="260" r:id="rId5"/>
+    <p:sldId id="259" r:id="rId6"/>
     <p:sldId id="261" r:id="rId7"/>
   </p:sldIdLst>
   <p:sldSz cx="12192000" cy="6858000"/>
@@ -753,23 +753,11 @@
           <a:p>
             <a:r>
               <a:rPr lang="en-US" dirty="0"/>
-              <a:t>We where unable to implement all the features we wanted due mostly to time constraints. We wanted to implement functions and flow control so that the code can run out of order. </a:t>
-            </a:r>
-            <a:r>
-              <a:rPr lang="en-US" dirty="0" err="1"/>
-              <a:t>Cookpy</a:t>
+              <a:t>Hopefully it</a:t>
             </a:r>
             <a:r>
               <a:rPr lang="en-US" baseline="0" dirty="0"/>
-              <a:t> also doesn’t support Strings or other objects than </a:t>
-            </a:r>
-            <a:r>
-              <a:rPr lang="en-US" baseline="0" dirty="0" err="1"/>
-              <a:t>ints</a:t>
-            </a:r>
-            <a:r>
-              <a:rPr lang="en-US" baseline="0" dirty="0"/>
-              <a:t> and floats. We also don’t have loops or a debugger built in.</a:t>
+              <a:t> works!</a:t>
             </a:r>
             <a:endParaRPr lang="en-US" dirty="0"/>
           </a:p>
@@ -801,7 +789,7 @@
     </p:spTree>
     <p:extLst>
       <p:ext uri="{BB962C8B-B14F-4D97-AF65-F5344CB8AC3E}">
-        <p14:creationId xmlns:p14="http://schemas.microsoft.com/office/powerpoint/2010/main" val="2049460613"/>
+        <p14:creationId xmlns:p14="http://schemas.microsoft.com/office/powerpoint/2010/main" val="1870933266"/>
       </p:ext>
     </p:extLst>
   </p:cSld>
@@ -857,11 +845,23 @@
           <a:p>
             <a:r>
               <a:rPr lang="en-US" dirty="0"/>
-              <a:t>Hopefully it</a:t>
+              <a:t>We where unable to implement all the features we wanted due mostly to time constraints. We wanted to implement functions and flow control so that the code can run out of order. </a:t>
+            </a:r>
+            <a:r>
+              <a:rPr lang="en-US" dirty="0" err="1"/>
+              <a:t>Cookpy</a:t>
             </a:r>
             <a:r>
               <a:rPr lang="en-US" baseline="0" dirty="0"/>
-              <a:t> works!</a:t>
+              <a:t> also doesn’t support Strings or other objects than </a:t>
+            </a:r>
+            <a:r>
+              <a:rPr lang="en-US" baseline="0" dirty="0" err="1"/>
+              <a:t>ints</a:t>
+            </a:r>
+            <a:r>
+              <a:rPr lang="en-US" baseline="0" dirty="0"/>
+              <a:t> and floats. We also don’t have loops or a debugger built in.</a:t>
             </a:r>
             <a:endParaRPr lang="en-US" dirty="0"/>
           </a:p>
@@ -893,7 +893,7 @@
     </p:spTree>
     <p:extLst>
       <p:ext uri="{BB962C8B-B14F-4D97-AF65-F5344CB8AC3E}">
-        <p14:creationId xmlns:p14="http://schemas.microsoft.com/office/powerpoint/2010/main" val="1870933266"/>
+        <p14:creationId xmlns:p14="http://schemas.microsoft.com/office/powerpoint/2010/main" val="2049460613"/>
       </p:ext>
     </p:extLst>
   </p:cSld>
@@ -4645,7 +4645,7 @@
       </p:grpSpPr>
       <p:sp>
         <p:nvSpPr>
-          <p:cNvPr id="16385" name="Title 1"/>
+          <p:cNvPr id="17409" name="Title 1"/>
           <p:cNvSpPr>
             <a:spLocks noGrp="1"/>
           </p:cNvSpPr>
@@ -4659,15 +4659,15 @@
           <a:lstStyle/>
           <a:p>
             <a:r>
-              <a:rPr lang="en-US" altLang="en-US"/>
-              <a:t>Limitations</a:t>
-            </a:r>
-          </a:p>
-        </p:txBody>
-      </p:sp>
-      <p:sp>
-        <p:nvSpPr>
-          <p:cNvPr id="16386" name="Content Placeholder 2"/>
+              <a:rPr lang="en-US" altLang="en-US" dirty="0"/>
+              <a:t>Demo</a:t>
+            </a:r>
+          </a:p>
+        </p:txBody>
+      </p:sp>
+      <p:sp>
+        <p:nvSpPr>
+          <p:cNvPr id="17410" name="Content Placeholder 2"/>
           <p:cNvSpPr>
             <a:spLocks noGrp="1"/>
           </p:cNvSpPr>
@@ -4681,36 +4681,56 @@
           <a:lstStyle/>
           <a:p>
             <a:r>
-              <a:rPr lang="en-US" altLang="en-US" dirty="0"/>
-              <a:t>No function support</a:t>
-            </a:r>
-          </a:p>
-          <a:p>
-            <a:r>
-              <a:rPr lang="en-US" altLang="en-US" dirty="0"/>
-              <a:t>No flow control</a:t>
-            </a:r>
-          </a:p>
-          <a:p>
-            <a:r>
-              <a:rPr lang="en-US" altLang="en-US" dirty="0"/>
-              <a:t>No String support </a:t>
-            </a:r>
-          </a:p>
-          <a:p>
-            <a:r>
-              <a:rPr lang="en-US" altLang="en-US" dirty="0"/>
-              <a:t>No loops (for, while, etc.)</a:t>
-            </a:r>
-          </a:p>
-          <a:p>
-            <a:r>
-              <a:rPr lang="en-US" altLang="en-US" dirty="0"/>
-              <a:t>No built in debugger</a:t>
-            </a:r>
-          </a:p>
-          <a:p>
+              <a:rPr lang="en-US" altLang="en-US" smtClean="0"/>
+              <a:t>Mix</a:t>
+            </a:r>
+            <a:r>
+              <a:rPr lang="en-US" altLang="en-US" dirty="0" smtClean="0"/>
+              <a:t>		-Add</a:t>
+            </a:r>
             <a:endParaRPr lang="en-US" altLang="en-US" dirty="0"/>
+          </a:p>
+          <a:p>
+            <a:r>
+              <a:rPr lang="en-US" altLang="en-US" dirty="0" smtClean="0"/>
+              <a:t>Skim	-Subtract</a:t>
+            </a:r>
+            <a:endParaRPr lang="en-US" altLang="en-US" dirty="0"/>
+          </a:p>
+          <a:p>
+            <a:r>
+              <a:rPr lang="en-US" altLang="en-US" dirty="0" smtClean="0"/>
+              <a:t>Serve	-Print</a:t>
+            </a:r>
+            <a:endParaRPr lang="en-US" altLang="en-US" dirty="0"/>
+          </a:p>
+          <a:p>
+            <a:r>
+              <a:rPr lang="en-US" altLang="en-US" dirty="0" smtClean="0"/>
+              <a:t>Pack		-Save A </a:t>
+            </a:r>
+            <a:r>
+              <a:rPr lang="en-US" altLang="en-US" dirty="0" err="1" smtClean="0"/>
+              <a:t>Var</a:t>
+            </a:r>
+            <a:endParaRPr lang="en-US" altLang="en-US" dirty="0"/>
+          </a:p>
+          <a:p>
+            <a:r>
+              <a:rPr lang="en-US" altLang="en-US" dirty="0" smtClean="0"/>
+              <a:t>Trash	-Delete A </a:t>
+            </a:r>
+            <a:r>
+              <a:rPr lang="en-US" altLang="en-US" dirty="0" err="1" smtClean="0"/>
+              <a:t>Var</a:t>
+            </a:r>
+            <a:endParaRPr lang="en-US" altLang="en-US" dirty="0"/>
+          </a:p>
+          <a:p>
+            <a:r>
+              <a:rPr lang="en-US" altLang="en-US" dirty="0" smtClean="0"/>
+              <a:t>And Much More!</a:t>
+            </a:r>
           </a:p>
         </p:txBody>
       </p:sp>
@@ -4719,7 +4739,7 @@
           <p:cNvPr id="2" name="Picture 2">
             <a:extLst>
               <a:ext uri="{FF2B5EF4-FFF2-40B4-BE49-F238E27FC236}">
-                <a16:creationId xmlns:a16="http://schemas.microsoft.com/office/drawing/2014/main" xmlns="" id="{4FDBEBB1-B0C0-43AC-8725-86144B3510E7}"/>
+                <a16:creationId xmlns:a16="http://schemas.microsoft.com/office/drawing/2014/main" xmlns="" id="{BFD8DDF8-2F47-4D7F-A4DC-1418FCF9082F}"/>
               </a:ext>
             </a:extLst>
           </p:cNvPr>
@@ -4736,8 +4756,8 @@
         </p:blipFill>
         <p:spPr>
           <a:xfrm>
-            <a:off x="5840738" y="758296"/>
-            <a:ext cx="4362856" cy="5418667"/>
+            <a:off x="5063066" y="1825625"/>
+            <a:ext cx="5013241" cy="3590926"/>
           </a:xfrm>
           <a:prstGeom prst="rect">
             <a:avLst/>
@@ -4771,7 +4791,7 @@
       </p:grpSpPr>
       <p:sp>
         <p:nvSpPr>
-          <p:cNvPr id="17409" name="Title 1"/>
+          <p:cNvPr id="16385" name="Title 1"/>
           <p:cNvSpPr>
             <a:spLocks noGrp="1"/>
           </p:cNvSpPr>
@@ -4785,83 +4805,58 @@
           <a:lstStyle/>
           <a:p>
             <a:r>
+              <a:rPr lang="en-US" altLang="en-US"/>
+              <a:t>Limitations</a:t>
+            </a:r>
+          </a:p>
+        </p:txBody>
+      </p:sp>
+      <p:sp>
+        <p:nvSpPr>
+          <p:cNvPr id="16386" name="Content Placeholder 2"/>
+          <p:cNvSpPr>
+            <a:spLocks noGrp="1"/>
+          </p:cNvSpPr>
+          <p:nvPr>
+            <p:ph idx="1"/>
+          </p:nvPr>
+        </p:nvSpPr>
+        <p:spPr/>
+        <p:txBody>
+          <a:bodyPr/>
+          <a:lstStyle/>
+          <a:p>
+            <a:r>
               <a:rPr lang="en-US" altLang="en-US" dirty="0"/>
-              <a:t>Demo</a:t>
-            </a:r>
-          </a:p>
-        </p:txBody>
-      </p:sp>
-      <p:sp>
-        <p:nvSpPr>
-          <p:cNvPr id="17410" name="Content Placeholder 2"/>
-          <p:cNvSpPr>
-            <a:spLocks noGrp="1"/>
-          </p:cNvSpPr>
-          <p:nvPr>
-            <p:ph idx="1"/>
-          </p:nvPr>
-        </p:nvSpPr>
-        <p:spPr/>
-        <p:txBody>
-          <a:bodyPr/>
-          <a:lstStyle/>
+              <a:t>No function support</a:t>
+            </a:r>
+          </a:p>
           <a:p>
             <a:r>
               <a:rPr lang="en-US" altLang="en-US" dirty="0"/>
-              <a:t>A demonstration</a:t>
+              <a:t>No flow control</a:t>
+            </a:r>
+          </a:p>
+          <a:p>
+            <a:r>
+              <a:rPr lang="en-US" altLang="en-US" dirty="0"/>
+              <a:t>No String support </a:t>
+            </a:r>
+          </a:p>
+          <a:p>
+            <a:r>
+              <a:rPr lang="en-US" altLang="en-US" dirty="0"/>
+              <a:t>No loops (for, while, etc.)</a:t>
+            </a:r>
+          </a:p>
+          <a:p>
+            <a:r>
+              <a:rPr lang="en-US" altLang="en-US" dirty="0"/>
+              <a:t>No built in debugger</a:t>
             </a:r>
           </a:p>
           <a:p>
             <a:endParaRPr lang="en-US" altLang="en-US" dirty="0"/>
-          </a:p>
-          <a:p>
-            <a:r>
-              <a:rPr lang="en-US" altLang="en-US" dirty="0" smtClean="0"/>
-              <a:t>Mix		-Add</a:t>
-            </a:r>
-            <a:endParaRPr lang="en-US" altLang="en-US" dirty="0"/>
-          </a:p>
-          <a:p>
-            <a:r>
-              <a:rPr lang="en-US" altLang="en-US" dirty="0" smtClean="0"/>
-              <a:t>Skim	-Subtract</a:t>
-            </a:r>
-            <a:endParaRPr lang="en-US" altLang="en-US" dirty="0"/>
-          </a:p>
-          <a:p>
-            <a:r>
-              <a:rPr lang="en-US" altLang="en-US" dirty="0" smtClean="0"/>
-              <a:t>Serve	-Print</a:t>
-            </a:r>
-            <a:endParaRPr lang="en-US" altLang="en-US" dirty="0"/>
-          </a:p>
-          <a:p>
-            <a:r>
-              <a:rPr lang="en-US" altLang="en-US" dirty="0" smtClean="0"/>
-              <a:t>Pack		-Save A </a:t>
-            </a:r>
-            <a:r>
-              <a:rPr lang="en-US" altLang="en-US" dirty="0" err="1" smtClean="0"/>
-              <a:t>Var</a:t>
-            </a:r>
-            <a:endParaRPr lang="en-US" altLang="en-US" dirty="0"/>
-          </a:p>
-          <a:p>
-            <a:r>
-              <a:rPr lang="en-US" altLang="en-US" dirty="0" smtClean="0"/>
-              <a:t>Trash	-Delete A </a:t>
-            </a:r>
-            <a:r>
-              <a:rPr lang="en-US" altLang="en-US" dirty="0" err="1" smtClean="0"/>
-              <a:t>Var</a:t>
-            </a:r>
-            <a:endParaRPr lang="en-US" altLang="en-US" dirty="0"/>
-          </a:p>
-          <a:p>
-            <a:r>
-              <a:rPr lang="en-US" altLang="en-US" dirty="0" smtClean="0"/>
-              <a:t>And Much More!</a:t>
-            </a:r>
           </a:p>
         </p:txBody>
       </p:sp>
@@ -4870,7 +4865,7 @@
           <p:cNvPr id="2" name="Picture 2">
             <a:extLst>
               <a:ext uri="{FF2B5EF4-FFF2-40B4-BE49-F238E27FC236}">
-                <a16:creationId xmlns:a16="http://schemas.microsoft.com/office/drawing/2014/main" xmlns="" id="{BFD8DDF8-2F47-4D7F-A4DC-1418FCF9082F}"/>
+                <a16:creationId xmlns:a16="http://schemas.microsoft.com/office/drawing/2014/main" xmlns="" id="{4FDBEBB1-B0C0-43AC-8725-86144B3510E7}"/>
               </a:ext>
             </a:extLst>
           </p:cNvPr>
@@ -4887,8 +4882,8 @@
         </p:blipFill>
         <p:spPr>
           <a:xfrm>
-            <a:off x="5063066" y="1825625"/>
-            <a:ext cx="5013241" cy="3590926"/>
+            <a:off x="5840738" y="758296"/>
+            <a:ext cx="4362856" cy="5418667"/>
           </a:xfrm>
           <a:prstGeom prst="rect">
             <a:avLst/>
